--- a/Chapter7/Figures/Fig11.pptx
+++ b/Chapter7/Figures/Fig11.pptx
@@ -417,7 +417,7 @@
           <a:p>
             <a:fld id="{9A083704-6C3E-455C-B597-2629F078FCFE}" type="datetimeFigureOut">
               <a:rPr lang="en-GB" smtClean="0"/>
-              <a:t>05/06/2014</a:t>
+              <a:t>01/07/2014</a:t>
             </a:fld>
             <a:endParaRPr lang="en-GB"/>
           </a:p>
@@ -955,7 +955,7 @@
           <a:p>
             <a:fld id="{4D792E19-0BEC-4B8D-B7D3-C8ECEB03A1A5}" type="datetimeFigureOut">
               <a:rPr lang="en-GB" smtClean="0"/>
-              <a:t>05/06/2014</a:t>
+              <a:t>01/07/2014</a:t>
             </a:fld>
             <a:endParaRPr lang="en-GB"/>
           </a:p>
@@ -1125,7 +1125,7 @@
           <a:p>
             <a:fld id="{4D792E19-0BEC-4B8D-B7D3-C8ECEB03A1A5}" type="datetimeFigureOut">
               <a:rPr lang="en-GB" smtClean="0"/>
-              <a:t>05/06/2014</a:t>
+              <a:t>01/07/2014</a:t>
             </a:fld>
             <a:endParaRPr lang="en-GB"/>
           </a:p>
@@ -1305,7 +1305,7 @@
           <a:p>
             <a:fld id="{4D792E19-0BEC-4B8D-B7D3-C8ECEB03A1A5}" type="datetimeFigureOut">
               <a:rPr lang="en-GB" smtClean="0"/>
-              <a:t>05/06/2014</a:t>
+              <a:t>01/07/2014</a:t>
             </a:fld>
             <a:endParaRPr lang="en-GB"/>
           </a:p>
@@ -1475,7 +1475,7 @@
           <a:p>
             <a:fld id="{4D792E19-0BEC-4B8D-B7D3-C8ECEB03A1A5}" type="datetimeFigureOut">
               <a:rPr lang="en-GB" smtClean="0"/>
-              <a:t>05/06/2014</a:t>
+              <a:t>01/07/2014</a:t>
             </a:fld>
             <a:endParaRPr lang="en-GB"/>
           </a:p>
@@ -1721,7 +1721,7 @@
           <a:p>
             <a:fld id="{4D792E19-0BEC-4B8D-B7D3-C8ECEB03A1A5}" type="datetimeFigureOut">
               <a:rPr lang="en-GB" smtClean="0"/>
-              <a:t>05/06/2014</a:t>
+              <a:t>01/07/2014</a:t>
             </a:fld>
             <a:endParaRPr lang="en-GB"/>
           </a:p>
@@ -2009,7 +2009,7 @@
           <a:p>
             <a:fld id="{4D792E19-0BEC-4B8D-B7D3-C8ECEB03A1A5}" type="datetimeFigureOut">
               <a:rPr lang="en-GB" smtClean="0"/>
-              <a:t>05/06/2014</a:t>
+              <a:t>01/07/2014</a:t>
             </a:fld>
             <a:endParaRPr lang="en-GB"/>
           </a:p>
@@ -2431,7 +2431,7 @@
           <a:p>
             <a:fld id="{4D792E19-0BEC-4B8D-B7D3-C8ECEB03A1A5}" type="datetimeFigureOut">
               <a:rPr lang="en-GB" smtClean="0"/>
-              <a:t>05/06/2014</a:t>
+              <a:t>01/07/2014</a:t>
             </a:fld>
             <a:endParaRPr lang="en-GB"/>
           </a:p>
@@ -2549,7 +2549,7 @@
           <a:p>
             <a:fld id="{4D792E19-0BEC-4B8D-B7D3-C8ECEB03A1A5}" type="datetimeFigureOut">
               <a:rPr lang="en-GB" smtClean="0"/>
-              <a:t>05/06/2014</a:t>
+              <a:t>01/07/2014</a:t>
             </a:fld>
             <a:endParaRPr lang="en-GB"/>
           </a:p>
@@ -2644,7 +2644,7 @@
           <a:p>
             <a:fld id="{4D792E19-0BEC-4B8D-B7D3-C8ECEB03A1A5}" type="datetimeFigureOut">
               <a:rPr lang="en-GB" smtClean="0"/>
-              <a:t>05/06/2014</a:t>
+              <a:t>01/07/2014</a:t>
             </a:fld>
             <a:endParaRPr lang="en-GB"/>
           </a:p>
@@ -2921,7 +2921,7 @@
           <a:p>
             <a:fld id="{4D792E19-0BEC-4B8D-B7D3-C8ECEB03A1A5}" type="datetimeFigureOut">
               <a:rPr lang="en-GB" smtClean="0"/>
-              <a:t>05/06/2014</a:t>
+              <a:t>01/07/2014</a:t>
             </a:fld>
             <a:endParaRPr lang="en-GB"/>
           </a:p>
@@ -3174,7 +3174,7 @@
           <a:p>
             <a:fld id="{4D792E19-0BEC-4B8D-B7D3-C8ECEB03A1A5}" type="datetimeFigureOut">
               <a:rPr lang="en-GB" smtClean="0"/>
-              <a:t>05/06/2014</a:t>
+              <a:t>01/07/2014</a:t>
             </a:fld>
             <a:endParaRPr lang="en-GB"/>
           </a:p>
@@ -3387,7 +3387,7 @@
           <a:p>
             <a:fld id="{4D792E19-0BEC-4B8D-B7D3-C8ECEB03A1A5}" type="datetimeFigureOut">
               <a:rPr lang="en-GB" smtClean="0"/>
-              <a:t>05/06/2014</a:t>
+              <a:t>01/07/2014</a:t>
             </a:fld>
             <a:endParaRPr lang="en-GB"/>
           </a:p>
@@ -3943,7 +3943,7 @@
         </p:blipFill>
         <p:spPr bwMode="auto">
           <a:xfrm>
-            <a:off x="8453283" y="7333131"/>
+            <a:off x="8434233" y="7333131"/>
             <a:ext cx="2233547" cy="2207710"/>
           </a:xfrm>
           <a:prstGeom prst="rect">
@@ -3982,7 +3982,7 @@
         </p:blipFill>
         <p:spPr bwMode="auto">
           <a:xfrm>
-            <a:off x="6451561" y="7342654"/>
+            <a:off x="6432511" y="7342654"/>
             <a:ext cx="2244496" cy="2217237"/>
           </a:xfrm>
           <a:prstGeom prst="rect">
@@ -4021,7 +4021,7 @@
         </p:blipFill>
         <p:spPr bwMode="auto">
           <a:xfrm>
-            <a:off x="4417688" y="7352180"/>
+            <a:off x="4398638" y="7352180"/>
             <a:ext cx="2267121" cy="2191806"/>
           </a:xfrm>
           <a:prstGeom prst="rect">
@@ -4060,7 +4060,7 @@
         </p:blipFill>
         <p:spPr bwMode="auto">
           <a:xfrm>
-            <a:off x="2443874" y="7361705"/>
+            <a:off x="2434349" y="7361705"/>
             <a:ext cx="2238802" cy="2207711"/>
           </a:xfrm>
           <a:prstGeom prst="rect">
@@ -4138,7 +4138,7 @@
         </p:blipFill>
         <p:spPr bwMode="auto">
           <a:xfrm>
-            <a:off x="8296265" y="2286747"/>
+            <a:off x="8277215" y="2286747"/>
             <a:ext cx="2390566" cy="2176519"/>
           </a:xfrm>
           <a:prstGeom prst="rect">
@@ -4177,7 +4177,7 @@
         </p:blipFill>
         <p:spPr bwMode="auto">
           <a:xfrm>
-            <a:off x="6443610" y="2274873"/>
+            <a:off x="6424560" y="2274873"/>
             <a:ext cx="2244496" cy="2188394"/>
           </a:xfrm>
           <a:prstGeom prst="rect">
@@ -4216,7 +4216,7 @@
         </p:blipFill>
         <p:spPr bwMode="auto">
           <a:xfrm>
-            <a:off x="4436739" y="2274872"/>
+            <a:off x="4417689" y="2274872"/>
             <a:ext cx="2267120" cy="2188395"/>
           </a:xfrm>
           <a:prstGeom prst="rect">
@@ -4255,7 +4255,7 @@
         </p:blipFill>
         <p:spPr bwMode="auto">
           <a:xfrm>
-            <a:off x="2453399" y="2274873"/>
+            <a:off x="2443874" y="2274873"/>
             <a:ext cx="2246751" cy="2188394"/>
           </a:xfrm>
           <a:prstGeom prst="rect">
@@ -4356,7 +4356,7 @@
         </p:nvSpPr>
         <p:spPr>
           <a:xfrm>
-            <a:off x="5183784" y="4367473"/>
+            <a:off x="5164734" y="4367473"/>
             <a:ext cx="972108" cy="353943"/>
           </a:xfrm>
           <a:prstGeom prst="rect">
@@ -4509,7 +4509,7 @@
         </p:nvSpPr>
         <p:spPr>
           <a:xfrm>
-            <a:off x="5177749" y="9505694"/>
+            <a:off x="5158699" y="9505694"/>
             <a:ext cx="972108" cy="353943"/>
           </a:xfrm>
           <a:prstGeom prst="rect">
@@ -4566,7 +4566,7 @@
         </p:nvSpPr>
         <p:spPr>
           <a:xfrm>
-            <a:off x="2751910" y="3828962"/>
+            <a:off x="2742385" y="3828962"/>
             <a:ext cx="1022598" cy="369332"/>
           </a:xfrm>
           <a:prstGeom prst="rect">
@@ -4604,7 +4604,7 @@
         </p:nvSpPr>
         <p:spPr>
           <a:xfrm>
-            <a:off x="4747856" y="3828962"/>
+            <a:off x="4728806" y="3828962"/>
             <a:ext cx="1022598" cy="369332"/>
           </a:xfrm>
           <a:prstGeom prst="rect">
@@ -4642,7 +4642,7 @@
         </p:nvSpPr>
         <p:spPr>
           <a:xfrm>
-            <a:off x="6748066" y="3828962"/>
+            <a:off x="6729016" y="3828962"/>
             <a:ext cx="1022598" cy="369332"/>
           </a:xfrm>
           <a:prstGeom prst="rect">
@@ -4680,7 +4680,7 @@
         </p:nvSpPr>
         <p:spPr>
           <a:xfrm>
-            <a:off x="8781776" y="3828962"/>
+            <a:off x="8762726" y="3828962"/>
             <a:ext cx="1022598" cy="369332"/>
           </a:xfrm>
           <a:prstGeom prst="rect">
@@ -4718,7 +4718,7 @@
         </p:nvSpPr>
         <p:spPr>
           <a:xfrm>
-            <a:off x="2767676" y="8966214"/>
+            <a:off x="2758151" y="8966214"/>
             <a:ext cx="1022598" cy="369332"/>
           </a:xfrm>
           <a:prstGeom prst="rect">
@@ -4756,7 +4756,7 @@
         </p:nvSpPr>
         <p:spPr>
           <a:xfrm>
-            <a:off x="4763622" y="8966214"/>
+            <a:off x="4744572" y="8966214"/>
             <a:ext cx="1022598" cy="369332"/>
           </a:xfrm>
           <a:prstGeom prst="rect">
@@ -4794,7 +4794,7 @@
         </p:nvSpPr>
         <p:spPr>
           <a:xfrm>
-            <a:off x="6763832" y="8966214"/>
+            <a:off x="6744782" y="8966214"/>
             <a:ext cx="1022598" cy="369332"/>
           </a:xfrm>
           <a:prstGeom prst="rect">
@@ -4832,7 +4832,7 @@
         </p:nvSpPr>
         <p:spPr>
           <a:xfrm>
-            <a:off x="8797542" y="8966214"/>
+            <a:off x="8778492" y="8966214"/>
             <a:ext cx="1022598" cy="369332"/>
           </a:xfrm>
           <a:prstGeom prst="rect">
@@ -8111,7 +8111,7 @@
         </p:nvSpPr>
         <p:spPr>
           <a:xfrm>
-            <a:off x="2763825" y="2805387"/>
+            <a:off x="2754300" y="2805387"/>
             <a:ext cx="1842634" cy="1290058"/>
           </a:xfrm>
           <a:custGeom>
@@ -8610,7 +8610,7 @@
         </p:nvSpPr>
         <p:spPr>
           <a:xfrm>
-            <a:off x="4759546" y="2697872"/>
+            <a:off x="4740496" y="2697872"/>
             <a:ext cx="1839449" cy="790214"/>
           </a:xfrm>
           <a:custGeom>
@@ -9531,7 +9531,7 @@
         </p:nvSpPr>
         <p:spPr>
           <a:xfrm>
-            <a:off x="6754966" y="2592486"/>
+            <a:off x="6735916" y="2592486"/>
             <a:ext cx="1836146" cy="166162"/>
           </a:xfrm>
           <a:custGeom>
@@ -11481,7 +11481,7 @@
         </p:nvSpPr>
         <p:spPr>
           <a:xfrm>
-            <a:off x="2755199" y="7900911"/>
+            <a:off x="2745674" y="7900911"/>
             <a:ext cx="1868514" cy="1324563"/>
           </a:xfrm>
           <a:custGeom>
@@ -11932,7 +11932,7 @@
         </p:nvSpPr>
         <p:spPr>
           <a:xfrm>
-            <a:off x="4742294" y="7820304"/>
+            <a:off x="4723244" y="7820304"/>
             <a:ext cx="1873955" cy="772961"/>
           </a:xfrm>
           <a:custGeom>
@@ -13276,8 +13276,8 @@
         </p:nvSpPr>
         <p:spPr>
           <a:xfrm>
-            <a:off x="759126" y="2741396"/>
-            <a:ext cx="1173310" cy="174332"/>
+            <a:off x="749600" y="2741396"/>
+            <a:ext cx="1182835" cy="345782"/>
           </a:xfrm>
           <a:custGeom>
             <a:avLst/>
@@ -13344,6 +13344,136 @@
               <a:gd name="connsiteY3" fmla="*/ 112143 h 215660"/>
               <a:gd name="connsiteX4" fmla="*/ 1319841 w 1319841"/>
               <a:gd name="connsiteY4" fmla="*/ 0 h 215660"/>
+              <a:gd name="connsiteX0" fmla="*/ 0 w 1330556"/>
+              <a:gd name="connsiteY0" fmla="*/ 463104 h 463104"/>
+              <a:gd name="connsiteX1" fmla="*/ 217748 w 1330556"/>
+              <a:gd name="connsiteY1" fmla="*/ 207034 h 463104"/>
+              <a:gd name="connsiteX2" fmla="*/ 502420 w 1330556"/>
+              <a:gd name="connsiteY2" fmla="*/ 172528 h 463104"/>
+              <a:gd name="connsiteX3" fmla="*/ 873357 w 1330556"/>
+              <a:gd name="connsiteY3" fmla="*/ 112143 h 463104"/>
+              <a:gd name="connsiteX4" fmla="*/ 1330556 w 1330556"/>
+              <a:gd name="connsiteY4" fmla="*/ 0 h 463104"/>
+              <a:gd name="connsiteX0" fmla="*/ 0 w 1330556"/>
+              <a:gd name="connsiteY0" fmla="*/ 463104 h 463104"/>
+              <a:gd name="connsiteX1" fmla="*/ 228462 w 1330556"/>
+              <a:gd name="connsiteY1" fmla="*/ 324864 h 463104"/>
+              <a:gd name="connsiteX2" fmla="*/ 502420 w 1330556"/>
+              <a:gd name="connsiteY2" fmla="*/ 172528 h 463104"/>
+              <a:gd name="connsiteX3" fmla="*/ 873357 w 1330556"/>
+              <a:gd name="connsiteY3" fmla="*/ 112143 h 463104"/>
+              <a:gd name="connsiteX4" fmla="*/ 1330556 w 1330556"/>
+              <a:gd name="connsiteY4" fmla="*/ 0 h 463104"/>
+              <a:gd name="connsiteX0" fmla="*/ 0 w 1330556"/>
+              <a:gd name="connsiteY0" fmla="*/ 463104 h 463104"/>
+              <a:gd name="connsiteX1" fmla="*/ 228462 w 1330556"/>
+              <a:gd name="connsiteY1" fmla="*/ 324864 h 463104"/>
+              <a:gd name="connsiteX2" fmla="*/ 534563 w 1330556"/>
+              <a:gd name="connsiteY2" fmla="*/ 219661 h 463104"/>
+              <a:gd name="connsiteX3" fmla="*/ 873357 w 1330556"/>
+              <a:gd name="connsiteY3" fmla="*/ 112143 h 463104"/>
+              <a:gd name="connsiteX4" fmla="*/ 1330556 w 1330556"/>
+              <a:gd name="connsiteY4" fmla="*/ 0 h 463104"/>
+              <a:gd name="connsiteX0" fmla="*/ 0 w 1330556"/>
+              <a:gd name="connsiteY0" fmla="*/ 427755 h 427755"/>
+              <a:gd name="connsiteX1" fmla="*/ 228462 w 1330556"/>
+              <a:gd name="connsiteY1" fmla="*/ 324864 h 427755"/>
+              <a:gd name="connsiteX2" fmla="*/ 534563 w 1330556"/>
+              <a:gd name="connsiteY2" fmla="*/ 219661 h 427755"/>
+              <a:gd name="connsiteX3" fmla="*/ 873357 w 1330556"/>
+              <a:gd name="connsiteY3" fmla="*/ 112143 h 427755"/>
+              <a:gd name="connsiteX4" fmla="*/ 1330556 w 1330556"/>
+              <a:gd name="connsiteY4" fmla="*/ 0 h 427755"/>
+              <a:gd name="connsiteX0" fmla="*/ 0 w 1330556"/>
+              <a:gd name="connsiteY0" fmla="*/ 427755 h 427755"/>
+              <a:gd name="connsiteX1" fmla="*/ 271321 w 1330556"/>
+              <a:gd name="connsiteY1" fmla="*/ 348431 h 427755"/>
+              <a:gd name="connsiteX2" fmla="*/ 534563 w 1330556"/>
+              <a:gd name="connsiteY2" fmla="*/ 219661 h 427755"/>
+              <a:gd name="connsiteX3" fmla="*/ 873357 w 1330556"/>
+              <a:gd name="connsiteY3" fmla="*/ 112143 h 427755"/>
+              <a:gd name="connsiteX4" fmla="*/ 1330556 w 1330556"/>
+              <a:gd name="connsiteY4" fmla="*/ 0 h 427755"/>
+              <a:gd name="connsiteX0" fmla="*/ 0 w 1330556"/>
+              <a:gd name="connsiteY0" fmla="*/ 427755 h 427755"/>
+              <a:gd name="connsiteX1" fmla="*/ 271321 w 1330556"/>
+              <a:gd name="connsiteY1" fmla="*/ 348431 h 427755"/>
+              <a:gd name="connsiteX2" fmla="*/ 588136 w 1330556"/>
+              <a:gd name="connsiteY2" fmla="*/ 243227 h 427755"/>
+              <a:gd name="connsiteX3" fmla="*/ 873357 w 1330556"/>
+              <a:gd name="connsiteY3" fmla="*/ 112143 h 427755"/>
+              <a:gd name="connsiteX4" fmla="*/ 1330556 w 1330556"/>
+              <a:gd name="connsiteY4" fmla="*/ 0 h 427755"/>
+              <a:gd name="connsiteX0" fmla="*/ 0 w 1330556"/>
+              <a:gd name="connsiteY0" fmla="*/ 427755 h 427755"/>
+              <a:gd name="connsiteX1" fmla="*/ 271321 w 1330556"/>
+              <a:gd name="connsiteY1" fmla="*/ 348431 h 427755"/>
+              <a:gd name="connsiteX2" fmla="*/ 588136 w 1330556"/>
+              <a:gd name="connsiteY2" fmla="*/ 243227 h 427755"/>
+              <a:gd name="connsiteX3" fmla="*/ 884071 w 1330556"/>
+              <a:gd name="connsiteY3" fmla="*/ 147492 h 427755"/>
+              <a:gd name="connsiteX4" fmla="*/ 1330556 w 1330556"/>
+              <a:gd name="connsiteY4" fmla="*/ 0 h 427755"/>
+              <a:gd name="connsiteX0" fmla="*/ 0 w 1330556"/>
+              <a:gd name="connsiteY0" fmla="*/ 427755 h 427755"/>
+              <a:gd name="connsiteX1" fmla="*/ 271321 w 1330556"/>
+              <a:gd name="connsiteY1" fmla="*/ 348431 h 427755"/>
+              <a:gd name="connsiteX2" fmla="*/ 588136 w 1330556"/>
+              <a:gd name="connsiteY2" fmla="*/ 243227 h 427755"/>
+              <a:gd name="connsiteX3" fmla="*/ 884071 w 1330556"/>
+              <a:gd name="connsiteY3" fmla="*/ 147492 h 427755"/>
+              <a:gd name="connsiteX4" fmla="*/ 1330556 w 1330556"/>
+              <a:gd name="connsiteY4" fmla="*/ 0 h 427755"/>
+              <a:gd name="connsiteX0" fmla="*/ 0 w 1330556"/>
+              <a:gd name="connsiteY0" fmla="*/ 427755 h 427755"/>
+              <a:gd name="connsiteX1" fmla="*/ 346322 w 1330556"/>
+              <a:gd name="connsiteY1" fmla="*/ 324865 h 427755"/>
+              <a:gd name="connsiteX2" fmla="*/ 588136 w 1330556"/>
+              <a:gd name="connsiteY2" fmla="*/ 243227 h 427755"/>
+              <a:gd name="connsiteX3" fmla="*/ 884071 w 1330556"/>
+              <a:gd name="connsiteY3" fmla="*/ 147492 h 427755"/>
+              <a:gd name="connsiteX4" fmla="*/ 1330556 w 1330556"/>
+              <a:gd name="connsiteY4" fmla="*/ 0 h 427755"/>
+              <a:gd name="connsiteX0" fmla="*/ 0 w 1330556"/>
+              <a:gd name="connsiteY0" fmla="*/ 427755 h 427755"/>
+              <a:gd name="connsiteX1" fmla="*/ 346322 w 1330556"/>
+              <a:gd name="connsiteY1" fmla="*/ 324865 h 427755"/>
+              <a:gd name="connsiteX2" fmla="*/ 598851 w 1330556"/>
+              <a:gd name="connsiteY2" fmla="*/ 207878 h 427755"/>
+              <a:gd name="connsiteX3" fmla="*/ 884071 w 1330556"/>
+              <a:gd name="connsiteY3" fmla="*/ 147492 h 427755"/>
+              <a:gd name="connsiteX4" fmla="*/ 1330556 w 1330556"/>
+              <a:gd name="connsiteY4" fmla="*/ 0 h 427755"/>
+              <a:gd name="connsiteX0" fmla="*/ 0 w 1330556"/>
+              <a:gd name="connsiteY0" fmla="*/ 427755 h 427755"/>
+              <a:gd name="connsiteX1" fmla="*/ 346322 w 1330556"/>
+              <a:gd name="connsiteY1" fmla="*/ 324865 h 427755"/>
+              <a:gd name="connsiteX2" fmla="*/ 620280 w 1330556"/>
+              <a:gd name="connsiteY2" fmla="*/ 231444 h 427755"/>
+              <a:gd name="connsiteX3" fmla="*/ 884071 w 1330556"/>
+              <a:gd name="connsiteY3" fmla="*/ 147492 h 427755"/>
+              <a:gd name="connsiteX4" fmla="*/ 1330556 w 1330556"/>
+              <a:gd name="connsiteY4" fmla="*/ 0 h 427755"/>
+              <a:gd name="connsiteX0" fmla="*/ 0 w 1330556"/>
+              <a:gd name="connsiteY0" fmla="*/ 427755 h 427755"/>
+              <a:gd name="connsiteX1" fmla="*/ 346322 w 1330556"/>
+              <a:gd name="connsiteY1" fmla="*/ 324865 h 427755"/>
+              <a:gd name="connsiteX2" fmla="*/ 620280 w 1330556"/>
+              <a:gd name="connsiteY2" fmla="*/ 231444 h 427755"/>
+              <a:gd name="connsiteX3" fmla="*/ 894786 w 1330556"/>
+              <a:gd name="connsiteY3" fmla="*/ 112142 h 427755"/>
+              <a:gd name="connsiteX4" fmla="*/ 1330556 w 1330556"/>
+              <a:gd name="connsiteY4" fmla="*/ 0 h 427755"/>
+              <a:gd name="connsiteX0" fmla="*/ 0 w 1330556"/>
+              <a:gd name="connsiteY0" fmla="*/ 427755 h 427755"/>
+              <a:gd name="connsiteX1" fmla="*/ 346322 w 1330556"/>
+              <a:gd name="connsiteY1" fmla="*/ 324865 h 427755"/>
+              <a:gd name="connsiteX2" fmla="*/ 620280 w 1330556"/>
+              <a:gd name="connsiteY2" fmla="*/ 231444 h 427755"/>
+              <a:gd name="connsiteX3" fmla="*/ 905500 w 1330556"/>
+              <a:gd name="connsiteY3" fmla="*/ 147492 h 427755"/>
+              <a:gd name="connsiteX4" fmla="*/ 1330556 w 1330556"/>
+              <a:gd name="connsiteY4" fmla="*/ 0 h 427755"/>
             </a:gdLst>
             <a:ahLst/>
             <a:cxnLst>
@@ -13365,27 +13495,27 @@
             </a:cxnLst>
             <a:rect l="l" t="t" r="r" b="b"/>
             <a:pathLst>
-              <a:path w="1319841" h="215660">
+              <a:path w="1330556" h="427755">
                 <a:moveTo>
-                  <a:pt x="0" y="215660"/>
+                  <a:pt x="0" y="427755"/>
                 </a:moveTo>
                 <a:cubicBezTo>
-                  <a:pt x="103517" y="207034"/>
-                  <a:pt x="125082" y="214223"/>
-                  <a:pt x="207033" y="207034"/>
+                  <a:pt x="157089" y="419129"/>
+                  <a:pt x="242942" y="357583"/>
+                  <a:pt x="346322" y="324865"/>
                 </a:cubicBezTo>
                 <a:cubicBezTo>
-                  <a:pt x="288984" y="199845"/>
-                  <a:pt x="382437" y="188343"/>
-                  <a:pt x="491705" y="172528"/>
+                  <a:pt x="449702" y="292147"/>
+                  <a:pt x="527084" y="261006"/>
+                  <a:pt x="620280" y="231444"/>
                 </a:cubicBezTo>
                 <a:cubicBezTo>
-                  <a:pt x="600973" y="156713"/>
-                  <a:pt x="736121" y="132271"/>
-                  <a:pt x="862642" y="112143"/>
+                  <a:pt x="713476" y="201882"/>
+                  <a:pt x="778979" y="167620"/>
+                  <a:pt x="905500" y="147492"/>
                 </a:cubicBezTo>
                 <a:lnTo>
-                  <a:pt x="1319841" y="0"/>
+                  <a:pt x="1330556" y="0"/>
                 </a:lnTo>
               </a:path>
             </a:pathLst>
@@ -13431,8 +13561,8 @@
         </p:nvSpPr>
         <p:spPr>
           <a:xfrm>
-            <a:off x="2755199" y="2741396"/>
-            <a:ext cx="1205316" cy="190070"/>
+            <a:off x="2745674" y="2741396"/>
+            <a:ext cx="1205316" cy="342470"/>
           </a:xfrm>
           <a:custGeom>
             <a:avLst/>
@@ -13499,6 +13629,86 @@
               <a:gd name="connsiteY3" fmla="*/ 112143 h 215660"/>
               <a:gd name="connsiteX4" fmla="*/ 1319841 w 1319841"/>
               <a:gd name="connsiteY4" fmla="*/ 0 h 215660"/>
+              <a:gd name="connsiteX0" fmla="*/ 0 w 1319841"/>
+              <a:gd name="connsiteY0" fmla="*/ 388578 h 388578"/>
+              <a:gd name="connsiteX1" fmla="*/ 207033 w 1319841"/>
+              <a:gd name="connsiteY1" fmla="*/ 207034 h 388578"/>
+              <a:gd name="connsiteX2" fmla="*/ 491705 w 1319841"/>
+              <a:gd name="connsiteY2" fmla="*/ 172528 h 388578"/>
+              <a:gd name="connsiteX3" fmla="*/ 862642 w 1319841"/>
+              <a:gd name="connsiteY3" fmla="*/ 112143 h 388578"/>
+              <a:gd name="connsiteX4" fmla="*/ 1319841 w 1319841"/>
+              <a:gd name="connsiteY4" fmla="*/ 0 h 388578"/>
+              <a:gd name="connsiteX0" fmla="*/ 0 w 1319841"/>
+              <a:gd name="connsiteY0" fmla="*/ 388578 h 388578"/>
+              <a:gd name="connsiteX1" fmla="*/ 259183 w 1319841"/>
+              <a:gd name="connsiteY1" fmla="*/ 325916 h 388578"/>
+              <a:gd name="connsiteX2" fmla="*/ 491705 w 1319841"/>
+              <a:gd name="connsiteY2" fmla="*/ 172528 h 388578"/>
+              <a:gd name="connsiteX3" fmla="*/ 862642 w 1319841"/>
+              <a:gd name="connsiteY3" fmla="*/ 112143 h 388578"/>
+              <a:gd name="connsiteX4" fmla="*/ 1319841 w 1319841"/>
+              <a:gd name="connsiteY4" fmla="*/ 0 h 388578"/>
+              <a:gd name="connsiteX0" fmla="*/ 0 w 1319841"/>
+              <a:gd name="connsiteY0" fmla="*/ 388578 h 388578"/>
+              <a:gd name="connsiteX1" fmla="*/ 259183 w 1319841"/>
+              <a:gd name="connsiteY1" fmla="*/ 325916 h 388578"/>
+              <a:gd name="connsiteX2" fmla="*/ 554285 w 1319841"/>
+              <a:gd name="connsiteY2" fmla="*/ 258987 h 388578"/>
+              <a:gd name="connsiteX3" fmla="*/ 862642 w 1319841"/>
+              <a:gd name="connsiteY3" fmla="*/ 112143 h 388578"/>
+              <a:gd name="connsiteX4" fmla="*/ 1319841 w 1319841"/>
+              <a:gd name="connsiteY4" fmla="*/ 0 h 388578"/>
+              <a:gd name="connsiteX0" fmla="*/ 0 w 1319841"/>
+              <a:gd name="connsiteY0" fmla="*/ 388578 h 388578"/>
+              <a:gd name="connsiteX1" fmla="*/ 259183 w 1319841"/>
+              <a:gd name="connsiteY1" fmla="*/ 325916 h 388578"/>
+              <a:gd name="connsiteX2" fmla="*/ 554285 w 1319841"/>
+              <a:gd name="connsiteY2" fmla="*/ 215757 h 388578"/>
+              <a:gd name="connsiteX3" fmla="*/ 862642 w 1319841"/>
+              <a:gd name="connsiteY3" fmla="*/ 112143 h 388578"/>
+              <a:gd name="connsiteX4" fmla="*/ 1319841 w 1319841"/>
+              <a:gd name="connsiteY4" fmla="*/ 0 h 388578"/>
+              <a:gd name="connsiteX0" fmla="*/ 0 w 1319841"/>
+              <a:gd name="connsiteY0" fmla="*/ 388578 h 388578"/>
+              <a:gd name="connsiteX1" fmla="*/ 259183 w 1319841"/>
+              <a:gd name="connsiteY1" fmla="*/ 325916 h 388578"/>
+              <a:gd name="connsiteX2" fmla="*/ 575145 w 1319841"/>
+              <a:gd name="connsiteY2" fmla="*/ 226565 h 388578"/>
+              <a:gd name="connsiteX3" fmla="*/ 862642 w 1319841"/>
+              <a:gd name="connsiteY3" fmla="*/ 112143 h 388578"/>
+              <a:gd name="connsiteX4" fmla="*/ 1319841 w 1319841"/>
+              <a:gd name="connsiteY4" fmla="*/ 0 h 388578"/>
+              <a:gd name="connsiteX0" fmla="*/ 0 w 1319841"/>
+              <a:gd name="connsiteY0" fmla="*/ 388578 h 388578"/>
+              <a:gd name="connsiteX1" fmla="*/ 259183 w 1319841"/>
+              <a:gd name="connsiteY1" fmla="*/ 325916 h 388578"/>
+              <a:gd name="connsiteX2" fmla="*/ 575145 w 1319841"/>
+              <a:gd name="connsiteY2" fmla="*/ 226565 h 388578"/>
+              <a:gd name="connsiteX3" fmla="*/ 925222 w 1319841"/>
+              <a:gd name="connsiteY3" fmla="*/ 133757 h 388578"/>
+              <a:gd name="connsiteX4" fmla="*/ 1319841 w 1319841"/>
+              <a:gd name="connsiteY4" fmla="*/ 0 h 388578"/>
+              <a:gd name="connsiteX0" fmla="*/ 0 w 1319841"/>
+              <a:gd name="connsiteY0" fmla="*/ 388578 h 388578"/>
+              <a:gd name="connsiteX1" fmla="*/ 259183 w 1319841"/>
+              <a:gd name="connsiteY1" fmla="*/ 325916 h 388578"/>
+              <a:gd name="connsiteX2" fmla="*/ 585575 w 1319841"/>
+              <a:gd name="connsiteY2" fmla="*/ 237372 h 388578"/>
+              <a:gd name="connsiteX3" fmla="*/ 925222 w 1319841"/>
+              <a:gd name="connsiteY3" fmla="*/ 133757 h 388578"/>
+              <a:gd name="connsiteX4" fmla="*/ 1319841 w 1319841"/>
+              <a:gd name="connsiteY4" fmla="*/ 0 h 388578"/>
+              <a:gd name="connsiteX0" fmla="*/ 0 w 1319841"/>
+              <a:gd name="connsiteY0" fmla="*/ 388578 h 388578"/>
+              <a:gd name="connsiteX1" fmla="*/ 269613 w 1319841"/>
+              <a:gd name="connsiteY1" fmla="*/ 336723 h 388578"/>
+              <a:gd name="connsiteX2" fmla="*/ 585575 w 1319841"/>
+              <a:gd name="connsiteY2" fmla="*/ 237372 h 388578"/>
+              <a:gd name="connsiteX3" fmla="*/ 925222 w 1319841"/>
+              <a:gd name="connsiteY3" fmla="*/ 133757 h 388578"/>
+              <a:gd name="connsiteX4" fmla="*/ 1319841 w 1319841"/>
+              <a:gd name="connsiteY4" fmla="*/ 0 h 388578"/>
             </a:gdLst>
             <a:ahLst/>
             <a:cxnLst>
@@ -13520,24 +13730,24 @@
             </a:cxnLst>
             <a:rect l="l" t="t" r="r" b="b"/>
             <a:pathLst>
-              <a:path w="1319841" h="215660">
+              <a:path w="1319841" h="388578">
                 <a:moveTo>
-                  <a:pt x="0" y="215660"/>
+                  <a:pt x="0" y="388578"/>
                 </a:moveTo>
                 <a:cubicBezTo>
-                  <a:pt x="103517" y="207034"/>
-                  <a:pt x="125082" y="214223"/>
-                  <a:pt x="207033" y="207034"/>
+                  <a:pt x="103517" y="379952"/>
+                  <a:pt x="172017" y="361924"/>
+                  <a:pt x="269613" y="336723"/>
                 </a:cubicBezTo>
                 <a:cubicBezTo>
-                  <a:pt x="288984" y="199845"/>
-                  <a:pt x="382437" y="188343"/>
-                  <a:pt x="491705" y="172528"/>
+                  <a:pt x="367209" y="311522"/>
+                  <a:pt x="476307" y="271200"/>
+                  <a:pt x="585575" y="237372"/>
                 </a:cubicBezTo>
                 <a:cubicBezTo>
-                  <a:pt x="600973" y="156713"/>
-                  <a:pt x="736121" y="132271"/>
-                  <a:pt x="862642" y="112143"/>
+                  <a:pt x="694843" y="203544"/>
+                  <a:pt x="798701" y="153885"/>
+                  <a:pt x="925222" y="133757"/>
                 </a:cubicBezTo>
                 <a:lnTo>
                   <a:pt x="1319841" y="0"/>
@@ -13586,7 +13796,7 @@
         </p:nvSpPr>
         <p:spPr>
           <a:xfrm>
-            <a:off x="4771395" y="2675567"/>
+            <a:off x="4752345" y="2675567"/>
             <a:ext cx="1300852" cy="478959"/>
           </a:xfrm>
           <a:custGeom>
@@ -13741,7 +13951,7 @@
         </p:nvSpPr>
         <p:spPr>
           <a:xfrm>
-            <a:off x="6761973" y="2836431"/>
+            <a:off x="6742923" y="2836431"/>
             <a:ext cx="1146262" cy="307400"/>
           </a:xfrm>
           <a:custGeom>
@@ -13896,7 +14106,7 @@
         </p:nvSpPr>
         <p:spPr>
           <a:xfrm>
-            <a:off x="8757765" y="3089672"/>
+            <a:off x="8738715" y="3089672"/>
             <a:ext cx="812291" cy="162200"/>
           </a:xfrm>
           <a:custGeom>
@@ -14386,7 +14596,7 @@
         </p:nvSpPr>
         <p:spPr>
           <a:xfrm>
-            <a:off x="4740017" y="7669890"/>
+            <a:off x="4720967" y="7669890"/>
             <a:ext cx="1876232" cy="606539"/>
           </a:xfrm>
           <a:custGeom>
@@ -14819,7 +15029,7 @@
         </p:nvSpPr>
         <p:spPr>
           <a:xfrm>
-            <a:off x="6751049" y="7720690"/>
+            <a:off x="6731999" y="7720690"/>
             <a:ext cx="1830488" cy="482927"/>
           </a:xfrm>
           <a:custGeom>
@@ -15334,7 +15544,7 @@
         </p:nvSpPr>
         <p:spPr>
           <a:xfrm>
-            <a:off x="8736154" y="7610756"/>
+            <a:off x="8717104" y="7610756"/>
             <a:ext cx="1895281" cy="597014"/>
           </a:xfrm>
           <a:custGeom>
@@ -17119,7 +17329,7 @@
         </p:nvSpPr>
         <p:spPr>
           <a:xfrm>
-            <a:off x="2749409" y="8507781"/>
+            <a:off x="2739884" y="8507781"/>
             <a:ext cx="1450657" cy="831698"/>
           </a:xfrm>
           <a:custGeom>
@@ -17744,7 +17954,7 @@
         </p:nvSpPr>
         <p:spPr>
           <a:xfrm flipV="1">
-            <a:off x="2749409" y="7499309"/>
+            <a:off x="2739884" y="7499309"/>
             <a:ext cx="638506" cy="442762"/>
           </a:xfrm>
           <a:custGeom>
@@ -18457,7 +18667,7 @@
         </p:nvSpPr>
         <p:spPr>
           <a:xfrm>
-            <a:off x="4747856" y="8436986"/>
+            <a:off x="4728806" y="8436986"/>
             <a:ext cx="1475800" cy="687958"/>
           </a:xfrm>
           <a:custGeom>
@@ -19090,7 +19300,7 @@
         </p:nvSpPr>
         <p:spPr>
           <a:xfrm flipV="1">
-            <a:off x="4747259" y="7483946"/>
+            <a:off x="4728209" y="7483946"/>
             <a:ext cx="771954" cy="490569"/>
           </a:xfrm>
           <a:custGeom>
@@ -19781,7 +19991,7 @@
         </p:nvSpPr>
         <p:spPr>
           <a:xfrm flipV="1">
-            <a:off x="6742293" y="7477200"/>
+            <a:off x="6723243" y="7477200"/>
             <a:ext cx="1165941" cy="576318"/>
           </a:xfrm>
           <a:custGeom>
@@ -20494,7 +20704,7 @@
         </p:nvSpPr>
         <p:spPr>
           <a:xfrm flipV="1">
-            <a:off x="8751091" y="7610755"/>
+            <a:off x="8732041" y="7610755"/>
             <a:ext cx="1402111" cy="299833"/>
           </a:xfrm>
           <a:custGeom>
@@ -21309,7 +21519,7 @@
         </p:nvSpPr>
         <p:spPr>
           <a:xfrm>
-            <a:off x="2754574" y="7731147"/>
+            <a:off x="2745049" y="7731147"/>
             <a:ext cx="1861136" cy="519994"/>
           </a:xfrm>
           <a:custGeom>
@@ -23038,7 +23248,7 @@
         </p:nvSpPr>
         <p:spPr>
           <a:xfrm>
-            <a:off x="2760129" y="3399014"/>
+            <a:off x="2750604" y="3399014"/>
             <a:ext cx="1450657" cy="831698"/>
           </a:xfrm>
           <a:custGeom>
@@ -23663,7 +23873,7 @@
         </p:nvSpPr>
         <p:spPr>
           <a:xfrm>
-            <a:off x="4789584" y="3346411"/>
+            <a:off x="4770534" y="3346411"/>
             <a:ext cx="1832060" cy="699834"/>
           </a:xfrm>
           <a:custGeom>
@@ -24456,7 +24666,7 @@
         </p:nvSpPr>
         <p:spPr>
           <a:xfrm flipV="1">
-            <a:off x="4788986" y="2393371"/>
+            <a:off x="4769936" y="2393371"/>
             <a:ext cx="771954" cy="490569"/>
           </a:xfrm>
           <a:custGeom>
@@ -25147,7 +25357,7 @@
         </p:nvSpPr>
         <p:spPr>
           <a:xfrm flipV="1">
-            <a:off x="2759443" y="2393524"/>
+            <a:off x="2749918" y="2393524"/>
             <a:ext cx="638506" cy="442762"/>
           </a:xfrm>
           <a:custGeom>
@@ -25860,7 +26070,7 @@
         </p:nvSpPr>
         <p:spPr>
           <a:xfrm flipV="1">
-            <a:off x="6775943" y="2382254"/>
+            <a:off x="6756893" y="2382254"/>
             <a:ext cx="1165941" cy="576318"/>
           </a:xfrm>
           <a:custGeom>
@@ -26573,7 +26783,7 @@
         </p:nvSpPr>
         <p:spPr>
           <a:xfrm>
-            <a:off x="6772592" y="3295872"/>
+            <a:off x="6753542" y="3295872"/>
             <a:ext cx="1838410" cy="193893"/>
           </a:xfrm>
           <a:custGeom>
@@ -27608,7 +27818,7 @@
         </p:nvSpPr>
         <p:spPr>
           <a:xfrm flipV="1">
-            <a:off x="8744267" y="2638655"/>
+            <a:off x="8725217" y="2638655"/>
             <a:ext cx="1887168" cy="414499"/>
           </a:xfrm>
           <a:custGeom>
@@ -28431,7 +28641,7 @@
         </p:nvSpPr>
         <p:spPr>
           <a:xfrm flipV="1">
-            <a:off x="8746538" y="2390302"/>
+            <a:off x="8727488" y="2390302"/>
             <a:ext cx="726962" cy="121966"/>
           </a:xfrm>
           <a:custGeom>
@@ -29274,7 +29484,7 @@
         </p:nvSpPr>
         <p:spPr>
           <a:xfrm flipV="1">
-            <a:off x="6754966" y="2376052"/>
+            <a:off x="6735916" y="2376052"/>
             <a:ext cx="295711" cy="45719"/>
           </a:xfrm>
           <a:custGeom>
@@ -30265,7 +30475,7 @@
         </p:nvCxnSpPr>
         <p:spPr>
           <a:xfrm>
-            <a:off x="2682259" y="6165984"/>
+            <a:off x="2741712" y="6157994"/>
             <a:ext cx="0" cy="180000"/>
           </a:xfrm>
           <a:prstGeom prst="straightConnector1">

--- a/Chapter7/Figures/Fig11.pptx
+++ b/Chapter7/Figures/Fig11.pptx
@@ -10,7 +10,7 @@
   <p:sldIdLst>
     <p:sldId id="256" r:id="rId2"/>
   </p:sldIdLst>
-  <p:sldSz cx="10801350" cy="12061825"/>
+  <p:sldSz cx="10801350" cy="13141325"/>
   <p:notesSz cx="6858000" cy="9144000"/>
   <p:defaultTextStyle>
     <a:defPPr>
@@ -124,7 +124,7 @@
           <inkml:channelProperty channel="Y" name="resolution" value="100.06146" units="1/cm"/>
         </inkml:channelProperties>
       </inkml:inkSource>
-      <inkml:timestamp xml:id="ts0" timeString="2014-06-05T12:40:20.490"/>
+      <inkml:timestamp xml:id="ts0" timeString="2014-09-10T21:56:00.847"/>
     </inkml:context>
     <inkml:brush xml:id="br0">
       <inkml:brushProperty name="width" value="0.04667" units="cm"/>
@@ -132,18 +132,7 @@
       <inkml:brushProperty name="fitToCurve" value="1"/>
     </inkml:brush>
   </inkml:definitions>
-  <inkml:traceGroup>
-    <inkml:annotationXML>
-      <emma:emma xmlns:emma="http://www.w3.org/2003/04/emma" version="1.0">
-        <emma:interpretation id="{4159E42F-1E66-4AFF-9983-2547F53E1A7C}" emma:medium="tactile" emma:mode="ink">
-          <msink:context xmlns:msink="http://schemas.microsoft.com/ink/2010/main" type="inkDrawing" rotatedBoundingBox="5367,14833 5380,14846 5369,14856 5356,14843" shapeName="Other">
-            <msink:destinationLink direction="with" ref="{4C38B3E2-E6D9-4D49-9935-EC4F450C1E18}"/>
-          </msink:context>
-        </emma:interpretation>
-      </emma:emma>
-    </inkml:annotationXML>
-    <inkml:trace contextRef="#ctx0" brushRef="#br0">0 0,'0'0,"0"0,0 0,0 0,0 0,0 0,0 0,0 0,0 0,0 0,0 0,0 0,0 0,0 0,0 0,0 0,0 0,0 0,13 13</inkml:trace>
-  </inkml:traceGroup>
+  <inkml:trace contextRef="#ctx0" brushRef="#br0">0 0,'0'0,"0"0,0 0,0 0,0 0,0 0,0 0,0 0,0 0,0 0,0 0,0 0,0 0,0 0,0 0,0 0,0 0,0 0,13 13</inkml:trace>
 </inkml:ink>
 </file>
 
@@ -161,7 +150,7 @@
           <inkml:channelProperty channel="Y" name="resolution" value="100.06146" units="1/cm"/>
         </inkml:channelProperties>
       </inkml:inkSource>
-      <inkml:timestamp xml:id="ts0" timeString="2014-06-05T12:40:20.214"/>
+      <inkml:timestamp xml:id="ts0" timeString="2014-09-10T21:56:00.848"/>
     </inkml:context>
     <inkml:brush xml:id="br0">
       <inkml:brushProperty name="width" value="0.04667" units="cm"/>
@@ -169,16 +158,7 @@
       <inkml:brushProperty name="fitToCurve" value="1"/>
     </inkml:brush>
   </inkml:definitions>
-  <inkml:traceGroup>
-    <inkml:annotationXML>
-      <emma:emma xmlns:emma="http://www.w3.org/2003/04/emma" version="1.0">
-        <emma:interpretation id="{F129FF7D-1F81-4476-870A-A04F0C20F7C5}" emma:medium="tactile" emma:mode="ink">
-          <msink:context xmlns:msink="http://schemas.microsoft.com/ink/2010/main" type="inkDrawing" rotatedBoundingBox="4442,15718 4452,15652 4463,15654 4453,15719" shapeName="Other"/>
-        </emma:interpretation>
-      </emma:emma>
-    </inkml:annotationXML>
-    <inkml:trace contextRef="#ctx0" brushRef="#br0">0 65,'0'0,"13"-13,-13 13,0 0,0-13,0-13,0 26,0 0,0 0,0 0,0-13</inkml:trace>
-  </inkml:traceGroup>
+  <inkml:trace contextRef="#ctx0" brushRef="#br0">0 65,'0'0,"13"-13,-13 13,0 0,0-13,0-13,0 26,0 0,0 0,0 0,0-13</inkml:trace>
 </inkml:ink>
 </file>
 
@@ -196,7 +176,7 @@
           <inkml:channelProperty channel="Y" name="resolution" value="100.06146" units="1/cm"/>
         </inkml:channelProperties>
       </inkml:inkSource>
-      <inkml:timestamp xml:id="ts0" timeString="2014-06-05T12:40:22.728"/>
+      <inkml:timestamp xml:id="ts0" timeString="2014-09-10T21:56:00.849"/>
     </inkml:context>
     <inkml:brush xml:id="br0">
       <inkml:brushProperty name="width" value="0.04667" units="cm"/>
@@ -204,16 +184,7 @@
       <inkml:brushProperty name="fitToCurve" value="1"/>
     </inkml:brush>
   </inkml:definitions>
-  <inkml:traceGroup>
-    <inkml:annotationXML>
-      <emma:emma xmlns:emma="http://www.w3.org/2003/04/emma" version="1.0">
-        <emma:interpretation id="{D76F0331-7D16-4D93-9709-74E10DAC8EB8}" emma:medium="tactile" emma:mode="ink">
-          <msink:context xmlns:msink="http://schemas.microsoft.com/ink/2010/main" type="inkDrawing" rotatedBoundingBox="5239,13923 5254,13923 5254,13938 5239,13938" shapeName="Other"/>
-        </emma:interpretation>
-      </emma:emma>
-    </inkml:annotationXML>
-    <inkml:trace contextRef="#ctx0" brushRef="#br0">0 0,'0'0,"0"0</inkml:trace>
-  </inkml:traceGroup>
+  <inkml:trace contextRef="#ctx0" brushRef="#br0">0 0,'0'0,"0"0</inkml:trace>
 </inkml:ink>
 </file>
 
@@ -231,7 +202,7 @@
           <inkml:channelProperty channel="Y" name="resolution" value="100.06146" units="1/cm"/>
         </inkml:channelProperties>
       </inkml:inkSource>
-      <inkml:timestamp xml:id="ts0" timeString="2014-06-05T12:44:10.155"/>
+      <inkml:timestamp xml:id="ts0" timeString="2014-09-10T21:56:00.850"/>
     </inkml:context>
     <inkml:brush xml:id="br0">
       <inkml:brushProperty name="width" value="0.04667" units="cm"/>
@@ -240,18 +211,7 @@
       <inkml:brushProperty name="fitToCurve" value="1"/>
     </inkml:brush>
   </inkml:definitions>
-  <inkml:traceGroup>
-    <inkml:annotationXML>
-      <emma:emma xmlns:emma="http://www.w3.org/2003/04/emma" version="1.0">
-        <emma:interpretation id="{4C38B3E2-E6D9-4D49-9935-EC4F450C1E18}" emma:medium="tactile" emma:mode="ink">
-          <msink:context xmlns:msink="http://schemas.microsoft.com/ink/2010/main" type="inkDrawing" rotatedBoundingBox="7451,16709 7466,16462 7490,16463 7475,16711" semanticType="callout" shapeName="Other">
-            <msink:sourceLink direction="with" ref="{4159E42F-1E66-4AFF-9983-2547F53E1A7C}"/>
-          </msink:context>
-        </emma:interpretation>
-      </emma:emma>
-    </inkml:annotationXML>
-    <inkml:trace contextRef="#ctx0" brushRef="#br0">0 247,'13'0,"-13"0,0 0,0 0,0 0,0-13,0 13,0 0,0 0,0 0,0 0,0-26,0 26,0 0,0 0,0 0,0 0,0 0,0 0,0 0,0 0,0 0,0 0,13 0,-13 0,0 0,0 0,0 0,0 0,0 0,0 0,0 0,0-13,0 13,0 0,0-26,0 13,0 0,0 13,0-13,0 13,0 0,0 0,0 0,0-26,0 0,0-13,0 26,0 0,0 0,0 13</inkml:trace>
-  </inkml:traceGroup>
+  <inkml:trace contextRef="#ctx0" brushRef="#br0">0 247,'13'0,"-13"0,0 0,0 0,0 0,0-13,0 13,0 0,0 0,0 0,0 0,0-26,0 26,0 0,0 0,0 0,0 0,0 0,0 0,0 0,0 0,0 0,0 0,13 0,-13 0,0 0,0 0,0 0,0 0,0 0,0 0,0 0,0-13,0 13,0 0,0-26,0 13,0 0,0 13,0-13,0 13,0 0,0 0,0 0,0-26,0 0,0-13,0 26,0 0,0 0,0 13</inkml:trace>
 </inkml:ink>
 </file>
 
@@ -269,7 +229,7 @@
           <inkml:channelProperty channel="Y" name="resolution" value="50" units="1/cm"/>
         </inkml:channelProperties>
       </inkml:inkSource>
-      <inkml:timestamp xml:id="ts0" timeString="2014-06-05T12:55:38.453"/>
+      <inkml:timestamp xml:id="ts0" timeString="2014-09-10T21:56:00.851"/>
     </inkml:context>
     <inkml:brush xml:id="br0">
       <inkml:brushProperty name="width" value="0.04667" units="cm"/>
@@ -278,60 +238,7 @@
       <inkml:brushProperty name="fitToCurve" value="1"/>
     </inkml:brush>
   </inkml:definitions>
-  <inkml:traceGroup>
-    <inkml:annotationXML>
-      <emma:emma xmlns:emma="http://www.w3.org/2003/04/emma" version="1.0">
-        <emma:interpretation id="{B75A1CC4-EA55-4228-8D12-DDC774670763}" emma:medium="tactile" emma:mode="ink">
-          <msink:context xmlns:msink="http://schemas.microsoft.com/ink/2010/main" type="writingRegion" rotatedBoundingBox="-6191,27198 -6176,27198 -6176,27213 -6191,27213"/>
-        </emma:interpretation>
-      </emma:emma>
-    </inkml:annotationXML>
-    <inkml:traceGroup>
-      <inkml:annotationXML>
-        <emma:emma xmlns:emma="http://www.w3.org/2003/04/emma" version="1.0">
-          <emma:interpretation id="{E994A103-40C0-4C6C-9494-8BB522074D71}" emma:medium="tactile" emma:mode="ink">
-            <msink:context xmlns:msink="http://schemas.microsoft.com/ink/2010/main" type="paragraph" rotatedBoundingBox="-6191,27198 -6176,27198 -6176,27213 -6191,27213" alignmentLevel="1"/>
-          </emma:interpretation>
-        </emma:emma>
-      </inkml:annotationXML>
-      <inkml:traceGroup>
-        <inkml:annotationXML>
-          <emma:emma xmlns:emma="http://www.w3.org/2003/04/emma" version="1.0">
-            <emma:interpretation id="{3A1453EC-2B6B-4B70-87B9-A77C3BC8B709}" emma:medium="tactile" emma:mode="ink">
-              <msink:context xmlns:msink="http://schemas.microsoft.com/ink/2010/main" type="line" rotatedBoundingBox="-6191,27198 -6176,27198 -6176,27213 -6191,27213"/>
-            </emma:interpretation>
-          </emma:emma>
-        </inkml:annotationXML>
-        <inkml:traceGroup>
-          <inkml:annotationXML>
-            <emma:emma xmlns:emma="http://www.w3.org/2003/04/emma" version="1.0">
-              <emma:interpretation id="{75D85880-853B-4562-AC50-9F2B3F51489C}" emma:medium="tactile" emma:mode="ink">
-                <msink:context xmlns:msink="http://schemas.microsoft.com/ink/2010/main" type="inkWord" rotatedBoundingBox="-6191,27198 -6176,27198 -6176,27213 -6191,27213"/>
-              </emma:interpretation>
-              <emma:one-of disjunction-type="recognition" id="oneOf0">
-                <emma:interpretation id="interp0" emma:lang="en-GB" emma:confidence="0">
-                  <emma:literal>.</emma:literal>
-                </emma:interpretation>
-                <emma:interpretation id="interp1" emma:lang="en-GB" emma:confidence="0">
-                  <emma:literal>`</emma:literal>
-                </emma:interpretation>
-                <emma:interpretation id="interp2" emma:lang="en-GB" emma:confidence="0">
-                  <emma:literal>'</emma:literal>
-                </emma:interpretation>
-                <emma:interpretation id="interp3" emma:lang="en-GB" emma:confidence="0">
-                  <emma:literal>l</emma:literal>
-                </emma:interpretation>
-                <emma:interpretation id="interp4" emma:lang="en-GB" emma:confidence="0">
-                  <emma:literal>,</emma:literal>
-                </emma:interpretation>
-              </emma:one-of>
-            </emma:emma>
-          </inkml:annotationXML>
-          <inkml:trace contextRef="#ctx0" brushRef="#br0">0 0</inkml:trace>
-        </inkml:traceGroup>
-      </inkml:traceGroup>
-    </inkml:traceGroup>
-  </inkml:traceGroup>
+  <inkml:trace contextRef="#ctx0" brushRef="#br0">0 0</inkml:trace>
 </inkml:ink>
 </file>
 
@@ -417,7 +324,7 @@
           <a:p>
             <a:fld id="{9A083704-6C3E-455C-B597-2629F078FCFE}" type="datetimeFigureOut">
               <a:rPr lang="en-GB" smtClean="0"/>
-              <a:t>01/07/2014</a:t>
+              <a:t>10/09/2014</a:t>
             </a:fld>
             <a:endParaRPr lang="en-GB"/>
           </a:p>
@@ -435,8 +342,8 @@
         </p:nvSpPr>
         <p:spPr>
           <a:xfrm>
-            <a:off x="1893888" y="685800"/>
-            <a:ext cx="3070225" cy="3429000"/>
+            <a:off x="2019300" y="685800"/>
+            <a:ext cx="2819400" cy="3429000"/>
           </a:xfrm>
           <a:prstGeom prst="rect">
             <a:avLst/>
@@ -714,8 +621,8 @@
         </p:nvSpPr>
         <p:spPr>
           <a:xfrm>
-            <a:off x="1893888" y="685800"/>
-            <a:ext cx="3070225" cy="3429000"/>
+            <a:off x="2019300" y="685800"/>
+            <a:ext cx="2819400" cy="3429000"/>
           </a:xfrm>
         </p:spPr>
       </p:sp>
@@ -803,8 +710,8 @@
         </p:nvSpPr>
         <p:spPr>
           <a:xfrm>
-            <a:off x="810111" y="3746989"/>
-            <a:ext cx="9181149" cy="2585475"/>
+            <a:off x="810112" y="4082334"/>
+            <a:ext cx="9181149" cy="2816868"/>
           </a:xfrm>
         </p:spPr>
         <p:txBody>
@@ -831,8 +738,8 @@
         </p:nvSpPr>
         <p:spPr>
           <a:xfrm>
-            <a:off x="1620213" y="6835038"/>
-            <a:ext cx="7560945" cy="3082466"/>
+            <a:off x="1620214" y="7446756"/>
+            <a:ext cx="7560945" cy="3358338"/>
           </a:xfrm>
         </p:spPr>
         <p:txBody>
@@ -955,7 +862,7 @@
           <a:p>
             <a:fld id="{4D792E19-0BEC-4B8D-B7D3-C8ECEB03A1A5}" type="datetimeFigureOut">
               <a:rPr lang="en-GB" smtClean="0"/>
-              <a:t>01/07/2014</a:t>
+              <a:t>10/09/2014</a:t>
             </a:fld>
             <a:endParaRPr lang="en-GB"/>
           </a:p>
@@ -1125,7 +1032,7 @@
           <a:p>
             <a:fld id="{4D792E19-0BEC-4B8D-B7D3-C8ECEB03A1A5}" type="datetimeFigureOut">
               <a:rPr lang="en-GB" smtClean="0"/>
-              <a:t>01/07/2014</a:t>
+              <a:t>10/09/2014</a:t>
             </a:fld>
             <a:endParaRPr lang="en-GB"/>
           </a:p>
@@ -1215,8 +1122,8 @@
         </p:nvSpPr>
         <p:spPr>
           <a:xfrm>
-            <a:off x="7830987" y="483036"/>
-            <a:ext cx="2430303" cy="10291641"/>
+            <a:off x="7830990" y="526267"/>
+            <a:ext cx="2430303" cy="11212714"/>
           </a:xfrm>
         </p:spPr>
         <p:txBody>
@@ -1243,8 +1150,8 @@
         </p:nvSpPr>
         <p:spPr>
           <a:xfrm>
-            <a:off x="540069" y="483036"/>
-            <a:ext cx="7110888" cy="10291641"/>
+            <a:off x="540069" y="526267"/>
+            <a:ext cx="7110888" cy="11212714"/>
           </a:xfrm>
         </p:spPr>
         <p:txBody>
@@ -1305,7 +1212,7 @@
           <a:p>
             <a:fld id="{4D792E19-0BEC-4B8D-B7D3-C8ECEB03A1A5}" type="datetimeFigureOut">
               <a:rPr lang="en-GB" smtClean="0"/>
-              <a:t>01/07/2014</a:t>
+              <a:t>10/09/2014</a:t>
             </a:fld>
             <a:endParaRPr lang="en-GB"/>
           </a:p>
@@ -1475,7 +1382,7 @@
           <a:p>
             <a:fld id="{4D792E19-0BEC-4B8D-B7D3-C8ECEB03A1A5}" type="datetimeFigureOut">
               <a:rPr lang="en-GB" smtClean="0"/>
-              <a:t>01/07/2014</a:t>
+              <a:t>10/09/2014</a:t>
             </a:fld>
             <a:endParaRPr lang="en-GB"/>
           </a:p>
@@ -1565,8 +1472,8 @@
         </p:nvSpPr>
         <p:spPr>
           <a:xfrm>
-            <a:off x="853239" y="7750843"/>
-            <a:ext cx="9181149" cy="2395612"/>
+            <a:off x="853242" y="8444522"/>
+            <a:ext cx="9181149" cy="2610012"/>
           </a:xfrm>
         </p:spPr>
         <p:txBody>
@@ -1597,8 +1504,8 @@
         </p:nvSpPr>
         <p:spPr>
           <a:xfrm>
-            <a:off x="853239" y="5112322"/>
-            <a:ext cx="9181149" cy="2638525"/>
+            <a:off x="853242" y="5569861"/>
+            <a:ext cx="9181149" cy="2874666"/>
           </a:xfrm>
         </p:spPr>
         <p:txBody>
@@ -1721,7 +1628,7 @@
           <a:p>
             <a:fld id="{4D792E19-0BEC-4B8D-B7D3-C8ECEB03A1A5}" type="datetimeFigureOut">
               <a:rPr lang="en-GB" smtClean="0"/>
-              <a:t>01/07/2014</a:t>
+              <a:t>10/09/2014</a:t>
             </a:fld>
             <a:endParaRPr lang="en-GB"/>
           </a:p>
@@ -1834,8 +1741,8 @@
         </p:nvSpPr>
         <p:spPr>
           <a:xfrm>
-            <a:off x="540075" y="2814429"/>
-            <a:ext cx="4770597" cy="7960248"/>
+            <a:off x="540076" y="3066314"/>
+            <a:ext cx="4770597" cy="8672668"/>
           </a:xfrm>
         </p:spPr>
         <p:txBody>
@@ -1919,8 +1826,8 @@
         </p:nvSpPr>
         <p:spPr>
           <a:xfrm>
-            <a:off x="5490695" y="2814429"/>
-            <a:ext cx="4770597" cy="7960248"/>
+            <a:off x="5490695" y="3066314"/>
+            <a:ext cx="4770597" cy="8672668"/>
           </a:xfrm>
         </p:spPr>
         <p:txBody>
@@ -2009,7 +1916,7 @@
           <a:p>
             <a:fld id="{4D792E19-0BEC-4B8D-B7D3-C8ECEB03A1A5}" type="datetimeFigureOut">
               <a:rPr lang="en-GB" smtClean="0"/>
-              <a:t>01/07/2014</a:t>
+              <a:t>10/09/2014</a:t>
             </a:fld>
             <a:endParaRPr lang="en-GB"/>
           </a:p>
@@ -2126,8 +2033,8 @@
         </p:nvSpPr>
         <p:spPr>
           <a:xfrm>
-            <a:off x="540072" y="2699955"/>
-            <a:ext cx="4772472" cy="1125211"/>
+            <a:off x="540072" y="2941595"/>
+            <a:ext cx="4772472" cy="1225914"/>
           </a:xfrm>
         </p:spPr>
         <p:txBody>
@@ -2191,8 +2098,8 @@
         </p:nvSpPr>
         <p:spPr>
           <a:xfrm>
-            <a:off x="540072" y="3825164"/>
-            <a:ext cx="4772472" cy="6949512"/>
+            <a:off x="540072" y="4167506"/>
+            <a:ext cx="4772472" cy="7571474"/>
           </a:xfrm>
         </p:spPr>
         <p:txBody>
@@ -2276,8 +2183,8 @@
         </p:nvSpPr>
         <p:spPr>
           <a:xfrm>
-            <a:off x="5486946" y="2699955"/>
-            <a:ext cx="4774347" cy="1125211"/>
+            <a:off x="5486949" y="2941595"/>
+            <a:ext cx="4774347" cy="1225914"/>
           </a:xfrm>
         </p:spPr>
         <p:txBody>
@@ -2341,8 +2248,8 @@
         </p:nvSpPr>
         <p:spPr>
           <a:xfrm>
-            <a:off x="5486946" y="3825164"/>
-            <a:ext cx="4774347" cy="6949512"/>
+            <a:off x="5486949" y="4167506"/>
+            <a:ext cx="4774347" cy="7571474"/>
           </a:xfrm>
         </p:spPr>
         <p:txBody>
@@ -2431,7 +2338,7 @@
           <a:p>
             <a:fld id="{4D792E19-0BEC-4B8D-B7D3-C8ECEB03A1A5}" type="datetimeFigureOut">
               <a:rPr lang="en-GB" smtClean="0"/>
-              <a:t>01/07/2014</a:t>
+              <a:t>10/09/2014</a:t>
             </a:fld>
             <a:endParaRPr lang="en-GB"/>
           </a:p>
@@ -2549,7 +2456,7 @@
           <a:p>
             <a:fld id="{4D792E19-0BEC-4B8D-B7D3-C8ECEB03A1A5}" type="datetimeFigureOut">
               <a:rPr lang="en-GB" smtClean="0"/>
-              <a:t>01/07/2014</a:t>
+              <a:t>10/09/2014</a:t>
             </a:fld>
             <a:endParaRPr lang="en-GB"/>
           </a:p>
@@ -2644,7 +2551,7 @@
           <a:p>
             <a:fld id="{4D792E19-0BEC-4B8D-B7D3-C8ECEB03A1A5}" type="datetimeFigureOut">
               <a:rPr lang="en-GB" smtClean="0"/>
-              <a:t>01/07/2014</a:t>
+              <a:t>10/09/2014</a:t>
             </a:fld>
             <a:endParaRPr lang="en-GB"/>
           </a:p>
@@ -2734,8 +2641,8 @@
         </p:nvSpPr>
         <p:spPr>
           <a:xfrm>
-            <a:off x="540081" y="480245"/>
-            <a:ext cx="3553569" cy="2043811"/>
+            <a:off x="540084" y="523227"/>
+            <a:ext cx="3553569" cy="2226727"/>
           </a:xfrm>
         </p:spPr>
         <p:txBody>
@@ -2766,8 +2673,8 @@
         </p:nvSpPr>
         <p:spPr>
           <a:xfrm>
-            <a:off x="4223031" y="480246"/>
-            <a:ext cx="6038256" cy="10294434"/>
+            <a:off x="4223031" y="523227"/>
+            <a:ext cx="6038256" cy="11215758"/>
           </a:xfrm>
         </p:spPr>
         <p:txBody>
@@ -2851,8 +2758,8 @@
         </p:nvSpPr>
         <p:spPr>
           <a:xfrm>
-            <a:off x="540081" y="2524048"/>
-            <a:ext cx="3553569" cy="8250624"/>
+            <a:off x="540084" y="2749943"/>
+            <a:ext cx="3553569" cy="8989032"/>
           </a:xfrm>
         </p:spPr>
         <p:txBody>
@@ -2921,7 +2828,7 @@
           <a:p>
             <a:fld id="{4D792E19-0BEC-4B8D-B7D3-C8ECEB03A1A5}" type="datetimeFigureOut">
               <a:rPr lang="en-GB" smtClean="0"/>
-              <a:t>01/07/2014</a:t>
+              <a:t>10/09/2014</a:t>
             </a:fld>
             <a:endParaRPr lang="en-GB"/>
           </a:p>
@@ -3011,8 +2918,8 @@
         </p:nvSpPr>
         <p:spPr>
           <a:xfrm>
-            <a:off x="2117142" y="8443281"/>
-            <a:ext cx="6480810" cy="996776"/>
+            <a:off x="2117142" y="9198932"/>
+            <a:ext cx="6480810" cy="1085984"/>
           </a:xfrm>
         </p:spPr>
         <p:txBody>
@@ -3043,8 +2950,8 @@
         </p:nvSpPr>
         <p:spPr>
           <a:xfrm>
-            <a:off x="2117142" y="1077750"/>
-            <a:ext cx="6480810" cy="7237095"/>
+            <a:off x="2117142" y="1174207"/>
+            <a:ext cx="6480810" cy="7884795"/>
           </a:xfrm>
         </p:spPr>
         <p:txBody>
@@ -3104,8 +3011,8 @@
         </p:nvSpPr>
         <p:spPr>
           <a:xfrm>
-            <a:off x="2117142" y="9440055"/>
-            <a:ext cx="6480810" cy="1415590"/>
+            <a:off x="2117142" y="10284914"/>
+            <a:ext cx="6480810" cy="1542281"/>
           </a:xfrm>
         </p:spPr>
         <p:txBody>
@@ -3174,7 +3081,7 @@
           <a:p>
             <a:fld id="{4D792E19-0BEC-4B8D-B7D3-C8ECEB03A1A5}" type="datetimeFigureOut">
               <a:rPr lang="en-GB" smtClean="0"/>
-              <a:t>01/07/2014</a:t>
+              <a:t>10/09/2014</a:t>
             </a:fld>
             <a:endParaRPr lang="en-GB"/>
           </a:p>
@@ -3269,8 +3176,8 @@
         </p:nvSpPr>
         <p:spPr>
           <a:xfrm>
-            <a:off x="540078" y="483037"/>
-            <a:ext cx="9721215" cy="2010305"/>
+            <a:off x="540079" y="526268"/>
+            <a:ext cx="9721215" cy="2190222"/>
           </a:xfrm>
           <a:prstGeom prst="rect">
             <a:avLst/>
@@ -3302,8 +3209,8 @@
         </p:nvSpPr>
         <p:spPr>
           <a:xfrm>
-            <a:off x="540078" y="2814429"/>
-            <a:ext cx="9721215" cy="7960248"/>
+            <a:off x="540079" y="3066314"/>
+            <a:ext cx="9721215" cy="8672668"/>
           </a:xfrm>
           <a:prstGeom prst="rect">
             <a:avLst/>
@@ -3364,8 +3271,8 @@
         </p:nvSpPr>
         <p:spPr>
           <a:xfrm>
-            <a:off x="540078" y="11179529"/>
-            <a:ext cx="2520315" cy="642181"/>
+            <a:off x="540081" y="12180066"/>
+            <a:ext cx="2520315" cy="699655"/>
           </a:xfrm>
           <a:prstGeom prst="rect">
             <a:avLst/>
@@ -3387,7 +3294,7 @@
           <a:p>
             <a:fld id="{4D792E19-0BEC-4B8D-B7D3-C8ECEB03A1A5}" type="datetimeFigureOut">
               <a:rPr lang="en-GB" smtClean="0"/>
-              <a:t>01/07/2014</a:t>
+              <a:t>10/09/2014</a:t>
             </a:fld>
             <a:endParaRPr lang="en-GB"/>
           </a:p>
@@ -3405,8 +3312,8 @@
         </p:nvSpPr>
         <p:spPr>
           <a:xfrm>
-            <a:off x="3690471" y="11179529"/>
-            <a:ext cx="3420429" cy="642181"/>
+            <a:off x="3690472" y="12180066"/>
+            <a:ext cx="3420429" cy="699655"/>
           </a:xfrm>
           <a:prstGeom prst="rect">
             <a:avLst/>
@@ -3442,8 +3349,8 @@
         </p:nvSpPr>
         <p:spPr>
           <a:xfrm>
-            <a:off x="7740978" y="11179529"/>
-            <a:ext cx="2520315" cy="642181"/>
+            <a:off x="7740981" y="12180066"/>
+            <a:ext cx="2520315" cy="699655"/>
           </a:xfrm>
           <a:prstGeom prst="rect">
             <a:avLst/>
@@ -3764,7 +3671,7 @@
       </p:grpSpPr>
       <p:pic>
         <p:nvPicPr>
-          <p:cNvPr id="191" name="Picture 3" descr="C:\Users\Wendy\Documents\wwn20\Thesis\Chapter7\Figures\Fig11\AFM.png"/>
+          <p:cNvPr id="474" name="Picture 3" descr="C:\Users\Wendy\Documents\wwn20\Thesis\Chapter7\Figures\Fig11\AFM.png"/>
           <p:cNvPicPr>
             <a:picLocks noChangeAspect="1" noChangeArrowheads="1"/>
           </p:cNvPicPr>
@@ -3778,13 +3685,13 @@
               </a:ext>
             </a:extLst>
           </a:blip>
-          <a:srcRect l="10805" t="11954" r="33712" b="8666"/>
+          <a:srcRect l="10805" t="21333" r="33712" b="8666"/>
           <a:stretch/>
         </p:blipFill>
         <p:spPr bwMode="auto">
           <a:xfrm>
-            <a:off x="945747" y="199890"/>
-            <a:ext cx="3302799" cy="1608969"/>
+            <a:off x="945747" y="106212"/>
+            <a:ext cx="3302799" cy="1418868"/>
           </a:xfrm>
           <a:prstGeom prst="rect">
             <a:avLst/>
@@ -3803,7 +3710,7 @@
       </p:pic>
       <p:pic>
         <p:nvPicPr>
-          <p:cNvPr id="192" name="Picture 14" descr="C:\Users\Wendy\Documents\wwn20\Thesis\Chapter7\Figures\Fig11\Spec_TM.png"/>
+          <p:cNvPr id="475" name="Picture 14" descr="C:\Users\Wendy\Documents\wwn20\Thesis\Chapter7\Figures\Fig11\Spec_TM.png"/>
           <p:cNvPicPr>
             <a:picLocks noChangeAspect="1" noChangeArrowheads="1"/>
           </p:cNvPicPr>
@@ -3824,8 +3731,8 @@
         </p:blipFill>
         <p:spPr bwMode="auto">
           <a:xfrm>
-            <a:off x="1435522" y="4531964"/>
-            <a:ext cx="3600000" cy="2444252"/>
+            <a:off x="1435522" y="4199085"/>
+            <a:ext cx="4680000" cy="3177528"/>
           </a:xfrm>
           <a:prstGeom prst="rect">
             <a:avLst/>
@@ -3844,7 +3751,7 @@
       </p:pic>
       <p:pic>
         <p:nvPicPr>
-          <p:cNvPr id="193" name="Picture 13" descr="C:\Users\Wendy\Documents\wwn20\Thesis\Chapter7\Figures\Fig11\Spec_TE.png"/>
+          <p:cNvPr id="476" name="Picture 13" descr="C:\Users\Wendy\Documents\wwn20\Thesis\Chapter7\Figures\Fig11\Spec_TE.png"/>
           <p:cNvPicPr>
             <a:picLocks noChangeAspect="1" noChangeArrowheads="1"/>
           </p:cNvPicPr>
@@ -3865,8 +3772,8 @@
         </p:blipFill>
         <p:spPr bwMode="auto">
           <a:xfrm>
-            <a:off x="1387053" y="9635300"/>
-            <a:ext cx="3600000" cy="2444252"/>
+            <a:off x="1387053" y="9919172"/>
+            <a:ext cx="4680000" cy="3177528"/>
           </a:xfrm>
           <a:prstGeom prst="rect">
             <a:avLst/>
@@ -3885,7 +3792,7 @@
       </p:pic>
       <p:pic>
         <p:nvPicPr>
-          <p:cNvPr id="194" name="Picture 12" descr="C:\Users\Wendy\Documents\wwn20\Thesis\Chapter7\Figures\Fig11\Scale.png"/>
+          <p:cNvPr id="477" name="Picture 12" descr="C:\Users\Wendy\Documents\wwn20\Thesis\Chapter7\Figures\Fig11\Scale.png"/>
           <p:cNvPicPr>
             <a:picLocks noChangeAspect="1" noChangeArrowheads="1"/>
           </p:cNvPicPr>
@@ -3904,8 +3811,8 @@
         </p:blipFill>
         <p:spPr bwMode="auto">
           <a:xfrm>
-            <a:off x="8963503" y="11479975"/>
-            <a:ext cx="1681742" cy="599577"/>
+            <a:off x="7922834" y="12003330"/>
+            <a:ext cx="2880000" cy="1026782"/>
           </a:xfrm>
           <a:prstGeom prst="rect">
             <a:avLst/>
@@ -3924,7 +3831,7 @@
       </p:pic>
       <p:pic>
         <p:nvPicPr>
-          <p:cNvPr id="195" name="Picture 11" descr="C:\Users\Wendy\Documents\wwn20\Thesis\Chapter7\Figures\Fig11\PS_Ag_90_TE.png"/>
+          <p:cNvPr id="478" name="Picture 11" descr="C:\Users\Wendy\Documents\wwn20\Thesis\Chapter7\Figures\Fig11\PS_Ag_90_TE.png"/>
           <p:cNvPicPr>
             <a:picLocks noChangeAspect="1" noChangeArrowheads="1"/>
           </p:cNvPicPr>
@@ -3943,7 +3850,7 @@
         </p:blipFill>
         <p:spPr bwMode="auto">
           <a:xfrm>
-            <a:off x="8434233" y="7333131"/>
+            <a:off x="8434233" y="7617003"/>
             <a:ext cx="2233547" cy="2207710"/>
           </a:xfrm>
           <a:prstGeom prst="rect">
@@ -3963,7 +3870,7 @@
       </p:pic>
       <p:pic>
         <p:nvPicPr>
-          <p:cNvPr id="196" name="Picture 10" descr="C:\Users\Wendy\Documents\wwn20\Thesis\Chapter7\Figures\Fig11\PS_Ag_60_TE.png"/>
+          <p:cNvPr id="479" name="Picture 10" descr="C:\Users\Wendy\Documents\wwn20\Thesis\Chapter7\Figures\Fig11\PS_Ag_60_TE.png"/>
           <p:cNvPicPr>
             <a:picLocks noChangeAspect="1" noChangeArrowheads="1"/>
           </p:cNvPicPr>
@@ -3982,7 +3889,7 @@
         </p:blipFill>
         <p:spPr bwMode="auto">
           <a:xfrm>
-            <a:off x="6432511" y="7342654"/>
+            <a:off x="6432511" y="7626526"/>
             <a:ext cx="2244496" cy="2217237"/>
           </a:xfrm>
           <a:prstGeom prst="rect">
@@ -4002,7 +3909,7 @@
       </p:pic>
       <p:pic>
         <p:nvPicPr>
-          <p:cNvPr id="197" name="Picture 9" descr="C:\Users\Wendy\Documents\wwn20\Thesis\Chapter7\Figures\Fig11\PS_Ag_40_TE.png"/>
+          <p:cNvPr id="480" name="Picture 9" descr="C:\Users\Wendy\Documents\wwn20\Thesis\Chapter7\Figures\Fig11\PS_Ag_40_TE.png"/>
           <p:cNvPicPr>
             <a:picLocks noChangeAspect="1" noChangeArrowheads="1"/>
           </p:cNvPicPr>
@@ -4021,7 +3928,7 @@
         </p:blipFill>
         <p:spPr bwMode="auto">
           <a:xfrm>
-            <a:off x="4398638" y="7352180"/>
+            <a:off x="4398638" y="7636052"/>
             <a:ext cx="2267121" cy="2191806"/>
           </a:xfrm>
           <a:prstGeom prst="rect">
@@ -4041,7 +3948,7 @@
       </p:pic>
       <p:pic>
         <p:nvPicPr>
-          <p:cNvPr id="198" name="Picture 8" descr="C:\Users\Wendy\Documents\wwn20\Thesis\Chapter7\Figures\Fig11\PS_Ag_20_TE.png"/>
+          <p:cNvPr id="481" name="Picture 8" descr="C:\Users\Wendy\Documents\wwn20\Thesis\Chapter7\Figures\Fig11\PS_Ag_20_TE.png"/>
           <p:cNvPicPr>
             <a:picLocks noChangeAspect="1" noChangeArrowheads="1"/>
           </p:cNvPicPr>
@@ -4060,7 +3967,7 @@
         </p:blipFill>
         <p:spPr bwMode="auto">
           <a:xfrm>
-            <a:off x="2434349" y="7361705"/>
+            <a:off x="2434349" y="7645577"/>
             <a:ext cx="2238802" cy="2207711"/>
           </a:xfrm>
           <a:prstGeom prst="rect">
@@ -4080,7 +3987,7 @@
       </p:pic>
       <p:pic>
         <p:nvPicPr>
-          <p:cNvPr id="199" name="Picture 7" descr="C:\Users\Wendy\Documents\wwn20\Thesis\Chapter7\Figures\Fig11\PS_Ag_0_TE.png"/>
+          <p:cNvPr id="482" name="Picture 7" descr="C:\Users\Wendy\Documents\wwn20\Thesis\Chapter7\Figures\Fig11\PS_Ag_0_TE.png"/>
           <p:cNvPicPr>
             <a:picLocks noChangeAspect="1" noChangeArrowheads="1"/>
           </p:cNvPicPr>
@@ -4099,7 +4006,7 @@
         </p:blipFill>
         <p:spPr bwMode="auto">
           <a:xfrm>
-            <a:off x="416501" y="7361705"/>
+            <a:off x="416501" y="7645577"/>
             <a:ext cx="2266606" cy="2207711"/>
           </a:xfrm>
           <a:prstGeom prst="rect">
@@ -4119,7 +4026,7 @@
       </p:pic>
       <p:pic>
         <p:nvPicPr>
-          <p:cNvPr id="200" name="Picture 2" descr="C:\Users\Wendy\Documents\wwn20\Thesis\Chapter7\Figures\Fig11\PS_Ag_90_TM.png"/>
+          <p:cNvPr id="483" name="Picture 2" descr="C:\Users\Wendy\Documents\wwn20\Thesis\Chapter7\Figures\Fig11\PS_Ag_90_TM.png"/>
           <p:cNvPicPr>
             <a:picLocks noChangeAspect="1" noChangeArrowheads="1"/>
           </p:cNvPicPr>
@@ -4138,7 +4045,7 @@
         </p:blipFill>
         <p:spPr bwMode="auto">
           <a:xfrm>
-            <a:off x="8277215" y="2286747"/>
+            <a:off x="8277215" y="1953868"/>
             <a:ext cx="2390566" cy="2176519"/>
           </a:xfrm>
           <a:prstGeom prst="rect">
@@ -4158,7 +4065,7 @@
       </p:pic>
       <p:pic>
         <p:nvPicPr>
-          <p:cNvPr id="201" name="Picture 3" descr="C:\Users\Wendy\Documents\wwn20\Thesis\Chapter7\Figures\Fig11\PS_Ag_60_TM.png"/>
+          <p:cNvPr id="484" name="Picture 3" descr="C:\Users\Wendy\Documents\wwn20\Thesis\Chapter7\Figures\Fig11\PS_Ag_60_TM.png"/>
           <p:cNvPicPr>
             <a:picLocks noChangeAspect="1" noChangeArrowheads="1"/>
           </p:cNvPicPr>
@@ -4177,7 +4084,7 @@
         </p:blipFill>
         <p:spPr bwMode="auto">
           <a:xfrm>
-            <a:off x="6424560" y="2274873"/>
+            <a:off x="6424560" y="1941994"/>
             <a:ext cx="2244496" cy="2188394"/>
           </a:xfrm>
           <a:prstGeom prst="rect">
@@ -4197,7 +4104,7 @@
       </p:pic>
       <p:pic>
         <p:nvPicPr>
-          <p:cNvPr id="202" name="Picture 6" descr="C:\Users\Wendy\Documents\wwn20\Thesis\Chapter7\Figures\Fig11\PS_Ag_40_TM.png"/>
+          <p:cNvPr id="485" name="Picture 6" descr="C:\Users\Wendy\Documents\wwn20\Thesis\Chapter7\Figures\Fig11\PS_Ag_40_TM.png"/>
           <p:cNvPicPr>
             <a:picLocks noChangeAspect="1" noChangeArrowheads="1"/>
           </p:cNvPicPr>
@@ -4216,7 +4123,7 @@
         </p:blipFill>
         <p:spPr bwMode="auto">
           <a:xfrm>
-            <a:off x="4417689" y="2274872"/>
+            <a:off x="4417689" y="1941993"/>
             <a:ext cx="2267120" cy="2188395"/>
           </a:xfrm>
           <a:prstGeom prst="rect">
@@ -4236,7 +4143,7 @@
       </p:pic>
       <p:pic>
         <p:nvPicPr>
-          <p:cNvPr id="203" name="Picture 5" descr="C:\Users\Wendy\Documents\wwn20\Thesis\Chapter7\Figures\Fig11\PS_Ag_20_TM.png"/>
+          <p:cNvPr id="486" name="Picture 5" descr="C:\Users\Wendy\Documents\wwn20\Thesis\Chapter7\Figures\Fig11\PS_Ag_20_TM.png"/>
           <p:cNvPicPr>
             <a:picLocks noChangeAspect="1" noChangeArrowheads="1"/>
           </p:cNvPicPr>
@@ -4255,7 +4162,7 @@
         </p:blipFill>
         <p:spPr bwMode="auto">
           <a:xfrm>
-            <a:off x="2443874" y="2274873"/>
+            <a:off x="2443874" y="1941994"/>
             <a:ext cx="2246751" cy="2188394"/>
           </a:xfrm>
           <a:prstGeom prst="rect">
@@ -4275,7 +4182,7 @@
       </p:pic>
       <p:pic>
         <p:nvPicPr>
-          <p:cNvPr id="204" name="Picture 4" descr="C:\Users\Wendy\Documents\wwn20\Thesis\Chapter7\Figures\Fig11\PS_Ag_0_TM.png"/>
+          <p:cNvPr id="487" name="Picture 4" descr="C:\Users\Wendy\Documents\wwn20\Thesis\Chapter7\Figures\Fig11\PS_Ag_0_TM.png"/>
           <p:cNvPicPr>
             <a:picLocks noChangeAspect="1" noChangeArrowheads="1"/>
           </p:cNvPicPr>
@@ -4294,7 +4201,7 @@
         </p:blipFill>
         <p:spPr bwMode="auto">
           <a:xfrm>
-            <a:off x="435551" y="2274873"/>
+            <a:off x="435551" y="1941994"/>
             <a:ext cx="2266605" cy="2188393"/>
           </a:xfrm>
           <a:prstGeom prst="rect">
@@ -4314,13 +4221,13 @@
       </p:pic>
       <p:sp>
         <p:nvSpPr>
-          <p:cNvPr id="205" name="TextBox 204"/>
+          <p:cNvPr id="488" name="TextBox 487"/>
           <p:cNvSpPr txBox="1"/>
           <p:nvPr/>
         </p:nvSpPr>
         <p:spPr>
           <a:xfrm rot="16200000">
-            <a:off x="-853531" y="2912701"/>
+            <a:off x="-853531" y="2579822"/>
             <a:ext cx="2217242" cy="353943"/>
           </a:xfrm>
           <a:prstGeom prst="rect">
@@ -4350,13 +4257,13 @@
       </p:sp>
       <p:sp>
         <p:nvSpPr>
-          <p:cNvPr id="206" name="TextBox 205"/>
+          <p:cNvPr id="489" name="TextBox 488"/>
           <p:cNvSpPr txBox="1"/>
           <p:nvPr/>
         </p:nvSpPr>
         <p:spPr>
           <a:xfrm>
-            <a:off x="5164734" y="4367473"/>
+            <a:off x="5164734" y="4034594"/>
             <a:ext cx="972108" cy="353943"/>
           </a:xfrm>
           <a:prstGeom prst="rect">
@@ -4407,14 +4314,14 @@
       </p:sp>
       <p:sp>
         <p:nvSpPr>
-          <p:cNvPr id="207" name="TextBox 206"/>
+          <p:cNvPr id="490" name="TextBox 489"/>
           <p:cNvSpPr txBox="1"/>
           <p:nvPr/>
         </p:nvSpPr>
         <p:spPr>
           <a:xfrm>
-            <a:off x="718660" y="1874763"/>
-            <a:ext cx="1873703" cy="400110"/>
+            <a:off x="718660" y="1541884"/>
+            <a:ext cx="2728855" cy="477054"/>
           </a:xfrm>
           <a:prstGeom prst="rect">
             <a:avLst/>
@@ -4428,23 +4335,23 @@
           <a:lstStyle/>
           <a:p>
             <a:r>
-              <a:rPr lang="en-GB" sz="2000" b="1" dirty="0" smtClean="0"/>
+              <a:rPr lang="en-GB" sz="2500" b="1" dirty="0" smtClean="0"/>
               <a:t>TM polarisation</a:t>
             </a:r>
-            <a:endParaRPr lang="en-GB" sz="2000" b="1" dirty="0"/>
+            <a:endParaRPr lang="en-GB" sz="2500" b="1" dirty="0"/>
           </a:p>
         </p:txBody>
       </p:sp>
       <p:sp>
         <p:nvSpPr>
-          <p:cNvPr id="208" name="TextBox 207"/>
+          <p:cNvPr id="491" name="TextBox 490"/>
           <p:cNvSpPr txBox="1"/>
           <p:nvPr/>
         </p:nvSpPr>
         <p:spPr>
           <a:xfrm>
-            <a:off x="718660" y="7002311"/>
-            <a:ext cx="1873703" cy="400110"/>
+            <a:off x="718660" y="7286183"/>
+            <a:ext cx="2728855" cy="477054"/>
           </a:xfrm>
           <a:prstGeom prst="rect">
             <a:avLst/>
@@ -4458,22 +4365,22 @@
           <a:lstStyle/>
           <a:p>
             <a:r>
-              <a:rPr lang="en-GB" sz="2000" b="1" dirty="0" smtClean="0"/>
+              <a:rPr lang="en-GB" sz="2500" b="1" dirty="0" smtClean="0"/>
               <a:t>TE polarisation</a:t>
             </a:r>
-            <a:endParaRPr lang="en-GB" sz="2000" b="1" dirty="0"/>
+            <a:endParaRPr lang="en-GB" sz="2500" b="1" dirty="0"/>
           </a:p>
         </p:txBody>
       </p:sp>
       <p:sp>
         <p:nvSpPr>
-          <p:cNvPr id="209" name="TextBox 208"/>
+          <p:cNvPr id="492" name="TextBox 491"/>
           <p:cNvSpPr txBox="1"/>
           <p:nvPr/>
         </p:nvSpPr>
         <p:spPr>
           <a:xfrm rot="16200000">
-            <a:off x="-859566" y="8050922"/>
+            <a:off x="-859566" y="8334794"/>
             <a:ext cx="2217242" cy="353943"/>
           </a:xfrm>
           <a:prstGeom prst="rect">
@@ -4503,13 +4410,13 @@
       </p:sp>
       <p:sp>
         <p:nvSpPr>
-          <p:cNvPr id="210" name="TextBox 209"/>
+          <p:cNvPr id="493" name="TextBox 492"/>
           <p:cNvSpPr txBox="1"/>
           <p:nvPr/>
         </p:nvSpPr>
         <p:spPr>
           <a:xfrm>
-            <a:off x="5158699" y="9505694"/>
+            <a:off x="5158699" y="9789566"/>
             <a:ext cx="972108" cy="353943"/>
           </a:xfrm>
           <a:prstGeom prst="rect">
@@ -4560,13 +4467,13 @@
       </p:sp>
       <p:sp>
         <p:nvSpPr>
-          <p:cNvPr id="211" name="TextBox 210"/>
+          <p:cNvPr id="494" name="TextBox 493"/>
           <p:cNvSpPr txBox="1"/>
           <p:nvPr/>
         </p:nvSpPr>
         <p:spPr>
           <a:xfrm>
-            <a:off x="2742385" y="3828962"/>
+            <a:off x="2742385" y="3496083"/>
             <a:ext cx="1022598" cy="369332"/>
           </a:xfrm>
           <a:prstGeom prst="rect">
@@ -4598,13 +4505,13 @@
       </p:sp>
       <p:sp>
         <p:nvSpPr>
-          <p:cNvPr id="212" name="TextBox 211"/>
+          <p:cNvPr id="495" name="TextBox 494"/>
           <p:cNvSpPr txBox="1"/>
           <p:nvPr/>
         </p:nvSpPr>
         <p:spPr>
           <a:xfrm>
-            <a:off x="4728806" y="3828962"/>
+            <a:off x="4728806" y="3496083"/>
             <a:ext cx="1022598" cy="369332"/>
           </a:xfrm>
           <a:prstGeom prst="rect">
@@ -4636,13 +4543,13 @@
       </p:sp>
       <p:sp>
         <p:nvSpPr>
-          <p:cNvPr id="213" name="TextBox 212"/>
+          <p:cNvPr id="496" name="TextBox 495"/>
           <p:cNvSpPr txBox="1"/>
           <p:nvPr/>
         </p:nvSpPr>
         <p:spPr>
           <a:xfrm>
-            <a:off x="6729016" y="3828962"/>
+            <a:off x="6729016" y="3496083"/>
             <a:ext cx="1022598" cy="369332"/>
           </a:xfrm>
           <a:prstGeom prst="rect">
@@ -4674,13 +4581,13 @@
       </p:sp>
       <p:sp>
         <p:nvSpPr>
-          <p:cNvPr id="214" name="TextBox 213"/>
+          <p:cNvPr id="497" name="TextBox 496"/>
           <p:cNvSpPr txBox="1"/>
           <p:nvPr/>
         </p:nvSpPr>
         <p:spPr>
           <a:xfrm>
-            <a:off x="8762726" y="3828962"/>
+            <a:off x="8762726" y="3496083"/>
             <a:ext cx="1022598" cy="369332"/>
           </a:xfrm>
           <a:prstGeom prst="rect">
@@ -4712,13 +4619,13 @@
       </p:sp>
       <p:sp>
         <p:nvSpPr>
-          <p:cNvPr id="215" name="TextBox 214"/>
+          <p:cNvPr id="498" name="TextBox 497"/>
           <p:cNvSpPr txBox="1"/>
           <p:nvPr/>
         </p:nvSpPr>
         <p:spPr>
           <a:xfrm>
-            <a:off x="2758151" y="8966214"/>
+            <a:off x="2758151" y="9250086"/>
             <a:ext cx="1022598" cy="369332"/>
           </a:xfrm>
           <a:prstGeom prst="rect">
@@ -4750,13 +4657,13 @@
       </p:sp>
       <p:sp>
         <p:nvSpPr>
-          <p:cNvPr id="216" name="TextBox 215"/>
+          <p:cNvPr id="499" name="TextBox 498"/>
           <p:cNvSpPr txBox="1"/>
           <p:nvPr/>
         </p:nvSpPr>
         <p:spPr>
           <a:xfrm>
-            <a:off x="4744572" y="8966214"/>
+            <a:off x="4744572" y="9250086"/>
             <a:ext cx="1022598" cy="369332"/>
           </a:xfrm>
           <a:prstGeom prst="rect">
@@ -4788,13 +4695,13 @@
       </p:sp>
       <p:sp>
         <p:nvSpPr>
-          <p:cNvPr id="217" name="TextBox 216"/>
+          <p:cNvPr id="500" name="TextBox 499"/>
           <p:cNvSpPr txBox="1"/>
           <p:nvPr/>
         </p:nvSpPr>
         <p:spPr>
           <a:xfrm>
-            <a:off x="6744782" y="8966214"/>
+            <a:off x="6744782" y="9250086"/>
             <a:ext cx="1022598" cy="369332"/>
           </a:xfrm>
           <a:prstGeom prst="rect">
@@ -4826,13 +4733,13 @@
       </p:sp>
       <p:sp>
         <p:nvSpPr>
-          <p:cNvPr id="218" name="TextBox 217"/>
+          <p:cNvPr id="501" name="TextBox 500"/>
           <p:cNvSpPr txBox="1"/>
           <p:nvPr/>
         </p:nvSpPr>
         <p:spPr>
           <a:xfrm>
-            <a:off x="8778492" y="8966214"/>
+            <a:off x="8778492" y="9250086"/>
             <a:ext cx="1022598" cy="369332"/>
           </a:xfrm>
           <a:prstGeom prst="rect">
@@ -4864,13 +4771,13 @@
       </p:sp>
       <p:sp>
         <p:nvSpPr>
-          <p:cNvPr id="219" name="Freeform 218"/>
+          <p:cNvPr id="502" name="Freeform 501"/>
           <p:cNvSpPr/>
           <p:nvPr/>
         </p:nvSpPr>
         <p:spPr>
           <a:xfrm>
-            <a:off x="834327" y="4420509"/>
+            <a:off x="834327" y="4087630"/>
             <a:ext cx="446970" cy="1109679"/>
           </a:xfrm>
           <a:custGeom>
@@ -4953,13 +4860,13 @@
       </p:sp>
       <p:sp>
         <p:nvSpPr>
-          <p:cNvPr id="220" name="Freeform 219"/>
+          <p:cNvPr id="503" name="Freeform 502"/>
           <p:cNvSpPr/>
           <p:nvPr/>
         </p:nvSpPr>
         <p:spPr>
           <a:xfrm>
-            <a:off x="834327" y="9553511"/>
+            <a:off x="834327" y="9837383"/>
             <a:ext cx="446970" cy="1109679"/>
           </a:xfrm>
           <a:custGeom>
@@ -5042,13 +4949,13 @@
       </p:sp>
       <p:cxnSp>
         <p:nvCxnSpPr>
-          <p:cNvPr id="221" name="Straight Connector 220"/>
+          <p:cNvPr id="504" name="Straight Connector 503"/>
           <p:cNvCxnSpPr/>
           <p:nvPr/>
         </p:nvCxnSpPr>
         <p:spPr>
           <a:xfrm>
-            <a:off x="1381019" y="2372584"/>
+            <a:off x="1381019" y="2039705"/>
             <a:ext cx="0" cy="1872000"/>
           </a:xfrm>
           <a:prstGeom prst="line">
@@ -5078,13 +4985,13 @@
       </p:cxnSp>
       <p:sp>
         <p:nvSpPr>
-          <p:cNvPr id="222" name="TextBox 221"/>
+          <p:cNvPr id="505" name="TextBox 504"/>
           <p:cNvSpPr txBox="1"/>
           <p:nvPr/>
         </p:nvSpPr>
         <p:spPr>
           <a:xfrm>
-            <a:off x="720155" y="3828962"/>
+            <a:off x="720155" y="3496083"/>
             <a:ext cx="843475" cy="369332"/>
           </a:xfrm>
           <a:prstGeom prst="rect">
@@ -5116,13 +5023,13 @@
       </p:sp>
       <p:cxnSp>
         <p:nvCxnSpPr>
-          <p:cNvPr id="223" name="Straight Connector 222"/>
+          <p:cNvPr id="506" name="Straight Connector 505"/>
           <p:cNvCxnSpPr/>
           <p:nvPr/>
         </p:nvCxnSpPr>
         <p:spPr>
           <a:xfrm>
-            <a:off x="1367965" y="7474404"/>
+            <a:off x="1367965" y="7758276"/>
             <a:ext cx="0" cy="1872000"/>
           </a:xfrm>
           <a:prstGeom prst="line">
@@ -5152,13 +5059,13 @@
       </p:cxnSp>
       <p:sp>
         <p:nvSpPr>
-          <p:cNvPr id="224" name="TextBox 223"/>
+          <p:cNvPr id="507" name="TextBox 506"/>
           <p:cNvSpPr txBox="1"/>
           <p:nvPr/>
         </p:nvSpPr>
         <p:spPr>
           <a:xfrm>
-            <a:off x="721291" y="8966214"/>
+            <a:off x="721291" y="9250086"/>
             <a:ext cx="843475" cy="369332"/>
           </a:xfrm>
           <a:prstGeom prst="rect">
@@ -5190,13 +5097,13 @@
       </p:sp>
       <p:cxnSp>
         <p:nvCxnSpPr>
-          <p:cNvPr id="225" name="Straight Connector 224"/>
+          <p:cNvPr id="508" name="Straight Connector 507"/>
           <p:cNvCxnSpPr/>
           <p:nvPr/>
         </p:nvCxnSpPr>
         <p:spPr>
           <a:xfrm>
-            <a:off x="3084067" y="1706882"/>
+            <a:off x="3084067" y="1423103"/>
             <a:ext cx="1116000" cy="0"/>
           </a:xfrm>
           <a:prstGeom prst="line">
@@ -5225,13 +5132,13 @@
       </p:cxnSp>
       <p:sp>
         <p:nvSpPr>
-          <p:cNvPr id="226" name="TextBox 225"/>
+          <p:cNvPr id="509" name="TextBox 508"/>
           <p:cNvSpPr txBox="1"/>
           <p:nvPr/>
         </p:nvSpPr>
         <p:spPr>
           <a:xfrm>
-            <a:off x="3282589" y="1309732"/>
+            <a:off x="3282589" y="1025953"/>
             <a:ext cx="773462" cy="430887"/>
           </a:xfrm>
           <a:prstGeom prst="rect">
@@ -5263,7 +5170,7 @@
       </p:sp>
       <p:pic>
         <p:nvPicPr>
-          <p:cNvPr id="227" name="Picture 226" descr="C:\Users\Wendy\Documents\wwn20\Thesis\Chapter7\Figures\Fig11\AFM_scale.png"/>
+          <p:cNvPr id="510" name="Picture 509" descr="C:\Users\Wendy\Documents\wwn20\Thesis\Chapter7\Figures\Fig11\AFM_scale.png"/>
           <p:cNvPicPr>
             <a:picLocks noChangeAspect="1" noChangeArrowheads="1"/>
           </p:cNvPicPr>
@@ -5282,7 +5189,7 @@
         </p:blipFill>
         <p:spPr bwMode="auto">
           <a:xfrm>
-            <a:off x="4278836" y="241924"/>
+            <a:off x="4278836" y="52738"/>
             <a:ext cx="969572" cy="1493719"/>
           </a:xfrm>
           <a:prstGeom prst="rect">
@@ -5302,13 +5209,13 @@
       </p:pic>
       <p:grpSp>
         <p:nvGrpSpPr>
-          <p:cNvPr id="228" name="Group 227"/>
+          <p:cNvPr id="511" name="Group 510"/>
           <p:cNvGrpSpPr/>
           <p:nvPr/>
         </p:nvGrpSpPr>
         <p:grpSpPr>
           <a:xfrm>
-            <a:off x="6002753" y="157522"/>
+            <a:off x="6002753" y="-31664"/>
             <a:ext cx="3862418" cy="1248322"/>
             <a:chOff x="6002753" y="587969"/>
             <a:chExt cx="3862418" cy="1248322"/>
@@ -5316,7 +5223,7 @@
         </p:grpSpPr>
         <p:sp>
           <p:nvSpPr>
-            <p:cNvPr id="229" name="Flowchart: Manual Operation 3"/>
+            <p:cNvPr id="512" name="Flowchart: Manual Operation 3"/>
             <p:cNvSpPr/>
             <p:nvPr/>
           </p:nvSpPr>
@@ -5466,7 +5373,7 @@
         </p:sp>
         <p:sp>
           <p:nvSpPr>
-            <p:cNvPr id="230" name="Flowchart: Manual Operation 3"/>
+            <p:cNvPr id="513" name="Flowchart: Manual Operation 3"/>
             <p:cNvSpPr/>
             <p:nvPr/>
           </p:nvSpPr>
@@ -5616,7 +5523,7 @@
         </p:sp>
         <p:sp>
           <p:nvSpPr>
-            <p:cNvPr id="231" name="Flowchart: Manual Operation 3"/>
+            <p:cNvPr id="514" name="Flowchart: Manual Operation 3"/>
             <p:cNvSpPr/>
             <p:nvPr/>
           </p:nvSpPr>
@@ -5766,7 +5673,7 @@
         </p:sp>
         <p:sp>
           <p:nvSpPr>
-            <p:cNvPr id="232" name="Flowchart: Manual Operation 3"/>
+            <p:cNvPr id="515" name="Flowchart: Manual Operation 3"/>
             <p:cNvSpPr/>
             <p:nvPr/>
           </p:nvSpPr>
@@ -5916,7 +5823,7 @@
         </p:sp>
         <p:sp>
           <p:nvSpPr>
-            <p:cNvPr id="233" name="Flowchart: Manual Operation 3"/>
+            <p:cNvPr id="516" name="Flowchart: Manual Operation 3"/>
             <p:cNvSpPr/>
             <p:nvPr/>
           </p:nvSpPr>
@@ -6066,7 +5973,7 @@
         </p:sp>
         <p:sp>
           <p:nvSpPr>
-            <p:cNvPr id="234" name="Flowchart: Manual Operation 3"/>
+            <p:cNvPr id="517" name="Flowchart: Manual Operation 3"/>
             <p:cNvSpPr/>
             <p:nvPr/>
           </p:nvSpPr>
@@ -6216,7 +6123,7 @@
         </p:sp>
         <p:sp>
           <p:nvSpPr>
-            <p:cNvPr id="235" name="Rectangle 234"/>
+            <p:cNvPr id="518" name="Rectangle 517"/>
             <p:cNvSpPr/>
             <p:nvPr/>
           </p:nvSpPr>
@@ -6359,7 +6266,7 @@
         </p:sp>
         <p:grpSp>
           <p:nvGrpSpPr>
-            <p:cNvPr id="236" name="Group 235"/>
+            <p:cNvPr id="519" name="Group 518"/>
             <p:cNvGrpSpPr/>
             <p:nvPr/>
           </p:nvGrpSpPr>
@@ -6373,7 +6280,7 @@
           </p:grpSpPr>
           <p:grpSp>
             <p:nvGrpSpPr>
-              <p:cNvPr id="241" name="Group 240"/>
+              <p:cNvPr id="524" name="Group 523"/>
               <p:cNvGrpSpPr/>
               <p:nvPr/>
             </p:nvGrpSpPr>
@@ -6387,7 +6294,7 @@
             </p:grpSpPr>
             <p:sp>
               <p:nvSpPr>
-                <p:cNvPr id="246" name="Rectangle 245"/>
+                <p:cNvPr id="529" name="Rectangle 528"/>
                 <p:cNvSpPr/>
                 <p:nvPr/>
               </p:nvSpPr>
@@ -6535,7 +6442,7 @@
             </p:sp>
             <p:sp>
               <p:nvSpPr>
-                <p:cNvPr id="247" name="Flowchart: Manual Operation 3"/>
+                <p:cNvPr id="530" name="Flowchart: Manual Operation 3"/>
                 <p:cNvSpPr/>
                 <p:nvPr/>
               </p:nvSpPr>
@@ -6660,7 +6567,7 @@
             </p:sp>
             <p:sp>
               <p:nvSpPr>
-                <p:cNvPr id="248" name="Flowchart: Manual Operation 3"/>
+                <p:cNvPr id="531" name="Flowchart: Manual Operation 3"/>
                 <p:cNvSpPr/>
                 <p:nvPr/>
               </p:nvSpPr>
@@ -6785,7 +6692,7 @@
             </p:sp>
             <p:sp>
               <p:nvSpPr>
-                <p:cNvPr id="249" name="Flowchart: Manual Operation 3"/>
+                <p:cNvPr id="532" name="Flowchart: Manual Operation 3"/>
                 <p:cNvSpPr/>
                 <p:nvPr/>
               </p:nvSpPr>
@@ -6910,7 +6817,7 @@
             </p:sp>
             <p:sp>
               <p:nvSpPr>
-                <p:cNvPr id="250" name="Flowchart: Manual Operation 3"/>
+                <p:cNvPr id="533" name="Flowchart: Manual Operation 3"/>
                 <p:cNvSpPr/>
                 <p:nvPr/>
               </p:nvSpPr>
@@ -7035,7 +6942,7 @@
             </p:sp>
             <p:sp>
               <p:nvSpPr>
-                <p:cNvPr id="251" name="Flowchart: Manual Operation 3"/>
+                <p:cNvPr id="534" name="Flowchart: Manual Operation 3"/>
                 <p:cNvSpPr/>
                 <p:nvPr/>
               </p:nvSpPr>
@@ -7160,7 +7067,7 @@
             </p:sp>
             <p:sp>
               <p:nvSpPr>
-                <p:cNvPr id="252" name="Flowchart: Manual Operation 3"/>
+                <p:cNvPr id="535" name="Flowchart: Manual Operation 3"/>
                 <p:cNvSpPr/>
                 <p:nvPr/>
               </p:nvSpPr>
@@ -7286,7 +7193,7 @@
           </p:grpSp>
           <p:cxnSp>
             <p:nvCxnSpPr>
-              <p:cNvPr id="242" name="Straight Connector 241"/>
+              <p:cNvPr id="525" name="Straight Connector 524"/>
               <p:cNvCxnSpPr/>
               <p:nvPr/>
             </p:nvCxnSpPr>
@@ -7320,7 +7227,7 @@
           </p:cxnSp>
           <p:sp>
             <p:nvSpPr>
-              <p:cNvPr id="243" name="TextBox 242"/>
+              <p:cNvPr id="526" name="TextBox 525"/>
               <p:cNvSpPr txBox="1"/>
               <p:nvPr/>
             </p:nvSpPr>
@@ -7350,7 +7257,7 @@
           </p:sp>
           <p:cxnSp>
             <p:nvCxnSpPr>
-              <p:cNvPr id="244" name="Straight Connector 243"/>
+              <p:cNvPr id="527" name="Straight Connector 526"/>
               <p:cNvCxnSpPr/>
               <p:nvPr/>
             </p:nvCxnSpPr>
@@ -7384,7 +7291,7 @@
           </p:cxnSp>
           <p:sp>
             <p:nvSpPr>
-              <p:cNvPr id="245" name="TextBox 244"/>
+              <p:cNvPr id="528" name="TextBox 527"/>
               <p:cNvSpPr txBox="1"/>
               <p:nvPr/>
             </p:nvSpPr>
@@ -7415,7 +7322,7 @@
         </p:grpSp>
         <p:cxnSp>
           <p:nvCxnSpPr>
-            <p:cNvPr id="237" name="Straight Connector 236"/>
+            <p:cNvPr id="520" name="Straight Connector 519"/>
             <p:cNvCxnSpPr/>
             <p:nvPr/>
           </p:nvCxnSpPr>
@@ -7449,7 +7356,7 @@
         </p:cxnSp>
         <p:sp>
           <p:nvSpPr>
-            <p:cNvPr id="238" name="TextBox 237"/>
+            <p:cNvPr id="521" name="TextBox 520"/>
             <p:cNvSpPr txBox="1"/>
             <p:nvPr/>
           </p:nvSpPr>
@@ -7483,7 +7390,7 @@
         </p:sp>
         <p:cxnSp>
           <p:nvCxnSpPr>
-            <p:cNvPr id="239" name="Straight Connector 238"/>
+            <p:cNvPr id="522" name="Straight Connector 521"/>
             <p:cNvCxnSpPr/>
             <p:nvPr/>
           </p:nvCxnSpPr>
@@ -7517,7 +7424,7 @@
         </p:cxnSp>
         <p:sp>
           <p:nvSpPr>
-            <p:cNvPr id="240" name="TextBox 239"/>
+            <p:cNvPr id="523" name="TextBox 522"/>
             <p:cNvSpPr txBox="1"/>
             <p:nvPr/>
           </p:nvSpPr>
@@ -7552,13 +7459,13 @@
       </p:grpSp>
       <p:sp>
         <p:nvSpPr>
-          <p:cNvPr id="253" name="Freeform 252"/>
+          <p:cNvPr id="536" name="Freeform 535"/>
           <p:cNvSpPr/>
           <p:nvPr/>
         </p:nvSpPr>
         <p:spPr>
           <a:xfrm>
-            <a:off x="753175" y="2801146"/>
+            <a:off x="753175" y="2468267"/>
             <a:ext cx="1854309" cy="1429898"/>
           </a:xfrm>
           <a:custGeom>
@@ -8105,13 +8012,13 @@
       </p:sp>
       <p:sp>
         <p:nvSpPr>
-          <p:cNvPr id="254" name="Freeform 253"/>
+          <p:cNvPr id="537" name="Freeform 536"/>
           <p:cNvSpPr/>
           <p:nvPr/>
         </p:nvSpPr>
         <p:spPr>
           <a:xfrm>
-            <a:off x="2754300" y="2805387"/>
+            <a:off x="2754300" y="2472508"/>
             <a:ext cx="1842634" cy="1290058"/>
           </a:xfrm>
           <a:custGeom>
@@ -8604,13 +8511,13 @@
       </p:sp>
       <p:sp>
         <p:nvSpPr>
-          <p:cNvPr id="255" name="Freeform 254"/>
+          <p:cNvPr id="538" name="Freeform 537"/>
           <p:cNvSpPr/>
           <p:nvPr/>
         </p:nvSpPr>
         <p:spPr>
           <a:xfrm>
-            <a:off x="4740496" y="2697872"/>
+            <a:off x="4740496" y="2364993"/>
             <a:ext cx="1839449" cy="790214"/>
           </a:xfrm>
           <a:custGeom>
@@ -9525,13 +9432,13 @@
       </p:sp>
       <p:sp>
         <p:nvSpPr>
-          <p:cNvPr id="256" name="Freeform 255"/>
+          <p:cNvPr id="539" name="Freeform 538"/>
           <p:cNvSpPr/>
           <p:nvPr/>
         </p:nvSpPr>
         <p:spPr>
           <a:xfrm>
-            <a:off x="6735916" y="2592486"/>
+            <a:off x="6735916" y="2259607"/>
             <a:ext cx="1836146" cy="166162"/>
           </a:xfrm>
           <a:custGeom>
@@ -10922,13 +10829,13 @@
       </p:sp>
       <p:sp>
         <p:nvSpPr>
-          <p:cNvPr id="257" name="Freeform 256"/>
+          <p:cNvPr id="540" name="Freeform 539"/>
           <p:cNvSpPr/>
           <p:nvPr/>
         </p:nvSpPr>
         <p:spPr>
           <a:xfrm>
-            <a:off x="744549" y="7909581"/>
+            <a:off x="744549" y="8193453"/>
             <a:ext cx="1854309" cy="1429898"/>
           </a:xfrm>
           <a:custGeom>
@@ -11475,13 +11382,13 @@
       </p:sp>
       <p:sp>
         <p:nvSpPr>
-          <p:cNvPr id="258" name="Freeform 257"/>
+          <p:cNvPr id="541" name="Freeform 540"/>
           <p:cNvSpPr/>
           <p:nvPr/>
         </p:nvSpPr>
         <p:spPr>
           <a:xfrm>
-            <a:off x="2745674" y="7900911"/>
+            <a:off x="2745674" y="8184783"/>
             <a:ext cx="1868514" cy="1324563"/>
           </a:xfrm>
           <a:custGeom>
@@ -11926,13 +11833,13 @@
       </p:sp>
       <p:sp>
         <p:nvSpPr>
-          <p:cNvPr id="259" name="Freeform 258"/>
+          <p:cNvPr id="542" name="Freeform 541"/>
           <p:cNvSpPr/>
           <p:nvPr/>
         </p:nvSpPr>
         <p:spPr>
           <a:xfrm>
-            <a:off x="4723244" y="7820304"/>
+            <a:off x="4723244" y="8104176"/>
             <a:ext cx="1873955" cy="772961"/>
           </a:xfrm>
           <a:custGeom>
@@ -12895,7 +12802,7 @@
       </p:sp>
       <p:sp>
         <p:nvSpPr>
-          <p:cNvPr id="260" name="TextBox 259"/>
+          <p:cNvPr id="543" name="TextBox 542"/>
           <p:cNvSpPr txBox="1"/>
           <p:nvPr/>
         </p:nvSpPr>
@@ -12925,7 +12832,7 @@
       </p:sp>
       <p:sp>
         <p:nvSpPr>
-          <p:cNvPr id="261" name="TextBox 260"/>
+          <p:cNvPr id="544" name="TextBox 543"/>
           <p:cNvSpPr txBox="1"/>
           <p:nvPr/>
         </p:nvSpPr>
@@ -12955,13 +12862,13 @@
       </p:sp>
       <p:sp>
         <p:nvSpPr>
-          <p:cNvPr id="262" name="TextBox 261"/>
+          <p:cNvPr id="545" name="TextBox 544"/>
           <p:cNvSpPr txBox="1"/>
           <p:nvPr/>
         </p:nvSpPr>
         <p:spPr>
           <a:xfrm>
-            <a:off x="19349" y="1836291"/>
+            <a:off x="19349" y="1503412"/>
             <a:ext cx="645764" cy="477054"/>
           </a:xfrm>
           <a:prstGeom prst="rect">
@@ -12985,13 +12892,13 @@
       </p:sp>
       <p:sp>
         <p:nvSpPr>
-          <p:cNvPr id="263" name="TextBox 262"/>
+          <p:cNvPr id="546" name="TextBox 545"/>
           <p:cNvSpPr txBox="1"/>
           <p:nvPr/>
         </p:nvSpPr>
         <p:spPr>
           <a:xfrm>
-            <a:off x="19349" y="6963839"/>
+            <a:off x="19349" y="7247711"/>
             <a:ext cx="645764" cy="477054"/>
           </a:xfrm>
           <a:prstGeom prst="rect">
@@ -13015,13 +12922,13 @@
       </p:sp>
       <p:sp>
         <p:nvSpPr>
-          <p:cNvPr id="264" name="TextBox 263"/>
+          <p:cNvPr id="547" name="TextBox 546"/>
           <p:cNvSpPr txBox="1"/>
           <p:nvPr/>
         </p:nvSpPr>
         <p:spPr>
           <a:xfrm>
-            <a:off x="1226519" y="4506059"/>
+            <a:off x="1226519" y="4173180"/>
             <a:ext cx="645764" cy="477054"/>
           </a:xfrm>
           <a:prstGeom prst="rect">
@@ -13045,13 +12952,13 @@
       </p:sp>
       <p:sp>
         <p:nvSpPr>
-          <p:cNvPr id="265" name="TextBox 264"/>
+          <p:cNvPr id="548" name="TextBox 547"/>
           <p:cNvSpPr txBox="1"/>
           <p:nvPr/>
         </p:nvSpPr>
         <p:spPr>
           <a:xfrm>
-            <a:off x="1226519" y="9586306"/>
+            <a:off x="1226519" y="9870178"/>
             <a:ext cx="645764" cy="477054"/>
           </a:xfrm>
           <a:prstGeom prst="rect">
@@ -13073,24 +12980,24 @@
           </a:p>
         </p:txBody>
       </p:sp>
-      <mc:AlternateContent xmlns:mc="http://schemas.openxmlformats.org/markup-compatibility/2006" xmlns:p14="http://schemas.microsoft.com/office/powerpoint/2010/main">
-        <mc:Choice Requires="p14">
+      <mc:AlternateContent xmlns:mc="http://schemas.openxmlformats.org/markup-compatibility/2006">
+        <mc:Choice xmlns:p14="http://schemas.microsoft.com/office/powerpoint/2010/main" Requires="p14">
           <p:contentPart p14:bwMode="auto" r:id="rId18">
             <p14:nvContentPartPr>
-              <p14:cNvPr id="170" name="Ink 169"/>
+              <p14:cNvPr id="549" name="Ink 548"/>
               <p14:cNvContentPartPr/>
               <p14:nvPr/>
             </p14:nvContentPartPr>
             <p14:xfrm>
-              <a:off x="1932435" y="5340000"/>
+              <a:off x="1932435" y="5007121"/>
               <a:ext cx="5040" cy="5040"/>
             </p14:xfrm>
           </p:contentPart>
         </mc:Choice>
-        <mc:Fallback xmlns="">
+        <mc:Fallback>
           <p:pic>
             <p:nvPicPr>
-              <p:cNvPr id="170" name="Ink 169"/>
+              <p:cNvPr id="549" name="Ink 548"/>
               <p:cNvPicPr/>
               <p:nvPr/>
             </p:nvPicPr>
@@ -13102,7 +13009,7 @@
             </p:blipFill>
             <p:spPr>
               <a:xfrm>
-                <a:off x="1924155" y="5331720"/>
+                <a:off x="1924155" y="4998841"/>
                 <a:ext cx="21600" cy="21600"/>
               </a:xfrm>
               <a:prstGeom prst="rect">
@@ -13112,24 +13019,24 @@
           </p:pic>
         </mc:Fallback>
       </mc:AlternateContent>
-      <mc:AlternateContent xmlns:mc="http://schemas.openxmlformats.org/markup-compatibility/2006" xmlns:p14="http://schemas.microsoft.com/office/powerpoint/2010/main">
-        <mc:Choice Requires="p14">
+      <mc:AlternateContent xmlns:mc="http://schemas.openxmlformats.org/markup-compatibility/2006">
+        <mc:Choice xmlns:p14="http://schemas.microsoft.com/office/powerpoint/2010/main" Requires="p14">
           <p:contentPart p14:bwMode="auto" r:id="rId20">
             <p14:nvContentPartPr>
-              <p14:cNvPr id="171" name="Ink 170"/>
+              <p14:cNvPr id="550" name="Ink 549"/>
               <p14:cNvContentPartPr/>
               <p14:nvPr/>
             </p14:nvContentPartPr>
             <p14:xfrm>
-              <a:off x="1599795" y="5635200"/>
+              <a:off x="1599795" y="5302321"/>
               <a:ext cx="5040" cy="23760"/>
             </p14:xfrm>
           </p:contentPart>
         </mc:Choice>
-        <mc:Fallback xmlns="">
+        <mc:Fallback>
           <p:pic>
             <p:nvPicPr>
-              <p:cNvPr id="171" name="Ink 170"/>
+              <p:cNvPr id="550" name="Ink 549"/>
               <p:cNvPicPr/>
               <p:nvPr/>
             </p:nvPicPr>
@@ -13141,7 +13048,7 @@
             </p:blipFill>
             <p:spPr>
               <a:xfrm>
-                <a:off x="1591515" y="5626920"/>
+                <a:off x="1591515" y="5294041"/>
                 <a:ext cx="21600" cy="40320"/>
               </a:xfrm>
               <a:prstGeom prst="rect">
@@ -13151,24 +13058,24 @@
           </p:pic>
         </mc:Fallback>
       </mc:AlternateContent>
-      <mc:AlternateContent xmlns:mc="http://schemas.openxmlformats.org/markup-compatibility/2006" xmlns:p14="http://schemas.microsoft.com/office/powerpoint/2010/main">
-        <mc:Choice Requires="p14">
+      <mc:AlternateContent xmlns:mc="http://schemas.openxmlformats.org/markup-compatibility/2006">
+        <mc:Choice xmlns:p14="http://schemas.microsoft.com/office/powerpoint/2010/main" Requires="p14">
           <p:contentPart p14:bwMode="auto" r:id="rId22">
             <p14:nvContentPartPr>
-              <p14:cNvPr id="173" name="Ink 172"/>
+              <p14:cNvPr id="551" name="Ink 550"/>
               <p14:cNvContentPartPr/>
               <p14:nvPr/>
             </p14:nvContentPartPr>
             <p14:xfrm>
-              <a:off x="1886355" y="5012400"/>
+              <a:off x="1886355" y="4679521"/>
               <a:ext cx="360" cy="360"/>
             </p14:xfrm>
           </p:contentPart>
         </mc:Choice>
-        <mc:Fallback xmlns="">
+        <mc:Fallback>
           <p:pic>
             <p:nvPicPr>
-              <p:cNvPr id="173" name="Ink 172"/>
+              <p:cNvPr id="551" name="Ink 550"/>
               <p:cNvPicPr/>
               <p:nvPr/>
             </p:nvPicPr>
@@ -13180,7 +13087,7 @@
             </p:blipFill>
             <p:spPr>
               <a:xfrm>
-                <a:off x="1878075" y="5004120"/>
+                <a:off x="1878075" y="4671241"/>
                 <a:ext cx="16920" cy="16920"/>
               </a:xfrm>
               <a:prstGeom prst="rect">
@@ -13190,24 +13097,24 @@
           </p:pic>
         </mc:Fallback>
       </mc:AlternateContent>
-      <mc:AlternateContent xmlns:mc="http://schemas.openxmlformats.org/markup-compatibility/2006" xmlns:p14="http://schemas.microsoft.com/office/powerpoint/2010/main">
-        <mc:Choice Requires="p14">
+      <mc:AlternateContent xmlns:mc="http://schemas.openxmlformats.org/markup-compatibility/2006">
+        <mc:Choice xmlns:p14="http://schemas.microsoft.com/office/powerpoint/2010/main" Requires="p14">
           <p:contentPart p14:bwMode="auto" r:id="rId24">
             <p14:nvContentPartPr>
-              <p14:cNvPr id="179" name="Ink 178"/>
+              <p14:cNvPr id="552" name="Ink 551"/>
               <p14:cNvContentPartPr/>
               <p14:nvPr/>
             </p14:nvContentPartPr>
             <p14:xfrm>
-              <a:off x="2682915" y="5926950"/>
+              <a:off x="2682915" y="5594071"/>
               <a:ext cx="9720" cy="89280"/>
             </p14:xfrm>
           </p:contentPart>
         </mc:Choice>
-        <mc:Fallback xmlns="">
+        <mc:Fallback>
           <p:pic>
             <p:nvPicPr>
-              <p:cNvPr id="179" name="Ink 178"/>
+              <p:cNvPr id="552" name="Ink 551"/>
               <p:cNvPicPr/>
               <p:nvPr/>
             </p:nvPicPr>
@@ -13219,7 +13126,7 @@
             </p:blipFill>
             <p:spPr>
               <a:xfrm>
-                <a:off x="2674635" y="5918670"/>
+                <a:off x="2674635" y="5585791"/>
                 <a:ext cx="26280" cy="105840"/>
               </a:xfrm>
               <a:prstGeom prst="rect">
@@ -13229,11 +13136,11 @@
           </p:pic>
         </mc:Fallback>
       </mc:AlternateContent>
-      <mc:AlternateContent xmlns:mc="http://schemas.openxmlformats.org/markup-compatibility/2006" xmlns:p14="http://schemas.microsoft.com/office/powerpoint/2010/main">
-        <mc:Choice Requires="p14">
+      <mc:AlternateContent xmlns:mc="http://schemas.openxmlformats.org/markup-compatibility/2006">
+        <mc:Choice xmlns:p14="http://schemas.microsoft.com/office/powerpoint/2010/main" Requires="p14">
           <p:contentPart p14:bwMode="auto" r:id="rId26">
             <p14:nvContentPartPr>
-              <p14:cNvPr id="187" name="Ink 186"/>
+              <p14:cNvPr id="553" name="Ink 552"/>
               <p14:cNvContentPartPr/>
               <p14:nvPr/>
             </p14:nvContentPartPr>
@@ -13243,10 +13150,10 @@
             </p14:xfrm>
           </p:contentPart>
         </mc:Choice>
-        <mc:Fallback xmlns="">
+        <mc:Fallback>
           <p:pic>
             <p:nvPicPr>
-              <p:cNvPr id="187" name="Ink 186"/>
+              <p:cNvPr id="553" name="Ink 552"/>
               <p:cNvPicPr/>
               <p:nvPr/>
             </p:nvPicPr>
@@ -13270,13 +13177,13 @@
       </mc:AlternateContent>
       <p:sp>
         <p:nvSpPr>
-          <p:cNvPr id="188" name="Freeform 187"/>
+          <p:cNvPr id="554" name="Freeform 553"/>
           <p:cNvSpPr/>
           <p:nvPr/>
         </p:nvSpPr>
         <p:spPr>
           <a:xfrm>
-            <a:off x="749600" y="2741396"/>
+            <a:off x="749600" y="2408517"/>
             <a:ext cx="1182835" cy="345782"/>
           </a:xfrm>
           <a:custGeom>
@@ -13555,13 +13462,13 @@
       </p:sp>
       <p:sp>
         <p:nvSpPr>
-          <p:cNvPr id="158" name="Freeform 157"/>
+          <p:cNvPr id="555" name="Freeform 554"/>
           <p:cNvSpPr/>
           <p:nvPr/>
         </p:nvSpPr>
         <p:spPr>
           <a:xfrm>
-            <a:off x="2745674" y="2741396"/>
+            <a:off x="2745674" y="2408517"/>
             <a:ext cx="1205316" cy="342470"/>
           </a:xfrm>
           <a:custGeom>
@@ -13790,13 +13697,13 @@
       </p:sp>
       <p:sp>
         <p:nvSpPr>
-          <p:cNvPr id="159" name="Freeform 158"/>
+          <p:cNvPr id="556" name="Freeform 555"/>
           <p:cNvSpPr/>
           <p:nvPr/>
         </p:nvSpPr>
         <p:spPr>
           <a:xfrm>
-            <a:off x="4752345" y="2675567"/>
+            <a:off x="4752345" y="2342688"/>
             <a:ext cx="1300852" cy="478959"/>
           </a:xfrm>
           <a:custGeom>
@@ -13945,13 +13852,13 @@
       </p:sp>
       <p:sp>
         <p:nvSpPr>
-          <p:cNvPr id="189" name="Freeform 188"/>
+          <p:cNvPr id="557" name="Freeform 556"/>
           <p:cNvSpPr/>
           <p:nvPr/>
         </p:nvSpPr>
         <p:spPr>
           <a:xfrm>
-            <a:off x="6742923" y="2836431"/>
+            <a:off x="6742923" y="2503552"/>
             <a:ext cx="1146262" cy="307400"/>
           </a:xfrm>
           <a:custGeom>
@@ -14100,13 +14007,13 @@
       </p:sp>
       <p:sp>
         <p:nvSpPr>
-          <p:cNvPr id="190" name="Freeform 189"/>
+          <p:cNvPr id="558" name="Freeform 557"/>
           <p:cNvSpPr/>
           <p:nvPr/>
         </p:nvSpPr>
         <p:spPr>
           <a:xfrm>
-            <a:off x="8738715" y="3089672"/>
+            <a:off x="8738715" y="2756793"/>
             <a:ext cx="812291" cy="162200"/>
           </a:xfrm>
           <a:custGeom>
@@ -14255,13 +14162,13 @@
       </p:sp>
       <p:sp>
         <p:nvSpPr>
-          <p:cNvPr id="288" name="Freeform 287"/>
+          <p:cNvPr id="559" name="Freeform 558"/>
           <p:cNvSpPr/>
           <p:nvPr/>
         </p:nvSpPr>
         <p:spPr>
           <a:xfrm>
-            <a:off x="749602" y="7743022"/>
+            <a:off x="749602" y="8026894"/>
             <a:ext cx="1861136" cy="519994"/>
           </a:xfrm>
           <a:custGeom>
@@ -14590,13 +14497,13 @@
       </p:sp>
       <p:sp>
         <p:nvSpPr>
-          <p:cNvPr id="290" name="Freeform 289"/>
+          <p:cNvPr id="560" name="Freeform 559"/>
           <p:cNvSpPr/>
           <p:nvPr/>
         </p:nvSpPr>
         <p:spPr>
           <a:xfrm>
-            <a:off x="4720967" y="7669890"/>
+            <a:off x="4720967" y="7953762"/>
             <a:ext cx="1876232" cy="606539"/>
           </a:xfrm>
           <a:custGeom>
@@ -15023,13 +14930,13 @@
       </p:sp>
       <p:sp>
         <p:nvSpPr>
-          <p:cNvPr id="291" name="Freeform 290"/>
+          <p:cNvPr id="561" name="Freeform 560"/>
           <p:cNvSpPr/>
           <p:nvPr/>
         </p:nvSpPr>
         <p:spPr>
           <a:xfrm>
-            <a:off x="6731999" y="7720690"/>
+            <a:off x="6731999" y="8004562"/>
             <a:ext cx="1830488" cy="482927"/>
           </a:xfrm>
           <a:custGeom>
@@ -15538,13 +15445,13 @@
       </p:sp>
       <p:sp>
         <p:nvSpPr>
-          <p:cNvPr id="292" name="Freeform 291"/>
+          <p:cNvPr id="562" name="Freeform 561"/>
           <p:cNvSpPr/>
           <p:nvPr/>
         </p:nvSpPr>
         <p:spPr>
           <a:xfrm>
-            <a:off x="8717104" y="7610756"/>
+            <a:off x="8717104" y="7894628"/>
             <a:ext cx="1895281" cy="597014"/>
           </a:xfrm>
           <a:custGeom>
@@ -15985,13 +15892,13 @@
       </p:sp>
       <p:sp>
         <p:nvSpPr>
-          <p:cNvPr id="294" name="Freeform 293"/>
+          <p:cNvPr id="563" name="Freeform 562"/>
           <p:cNvSpPr/>
           <p:nvPr/>
         </p:nvSpPr>
         <p:spPr>
           <a:xfrm>
-            <a:off x="735922" y="8491741"/>
+            <a:off x="735922" y="8775613"/>
             <a:ext cx="1196514" cy="839278"/>
           </a:xfrm>
           <a:custGeom>
@@ -16610,13 +16517,13 @@
       </p:sp>
       <p:sp>
         <p:nvSpPr>
-          <p:cNvPr id="295" name="Freeform 294"/>
+          <p:cNvPr id="564" name="Freeform 563"/>
           <p:cNvSpPr/>
           <p:nvPr/>
         </p:nvSpPr>
         <p:spPr>
           <a:xfrm flipV="1">
-            <a:off x="749060" y="7477200"/>
+            <a:off x="749060" y="7761072"/>
             <a:ext cx="638506" cy="442762"/>
           </a:xfrm>
           <a:custGeom>
@@ -17323,13 +17230,13 @@
       </p:sp>
       <p:sp>
         <p:nvSpPr>
-          <p:cNvPr id="296" name="Freeform 295"/>
+          <p:cNvPr id="565" name="Freeform 564"/>
           <p:cNvSpPr/>
           <p:nvPr/>
         </p:nvSpPr>
         <p:spPr>
           <a:xfrm>
-            <a:off x="2739884" y="8507781"/>
+            <a:off x="2739884" y="8791653"/>
             <a:ext cx="1450657" cy="831698"/>
           </a:xfrm>
           <a:custGeom>
@@ -17948,13 +17855,13 @@
       </p:sp>
       <p:sp>
         <p:nvSpPr>
-          <p:cNvPr id="297" name="Freeform 296"/>
+          <p:cNvPr id="566" name="Freeform 565"/>
           <p:cNvSpPr/>
           <p:nvPr/>
         </p:nvSpPr>
         <p:spPr>
           <a:xfrm flipV="1">
-            <a:off x="2739884" y="7499309"/>
+            <a:off x="2739884" y="7783181"/>
             <a:ext cx="638506" cy="442762"/>
           </a:xfrm>
           <a:custGeom>
@@ -18661,13 +18568,13 @@
       </p:sp>
       <p:sp>
         <p:nvSpPr>
-          <p:cNvPr id="298" name="Freeform 297"/>
+          <p:cNvPr id="567" name="Freeform 566"/>
           <p:cNvSpPr/>
           <p:nvPr/>
         </p:nvSpPr>
         <p:spPr>
           <a:xfrm>
-            <a:off x="4728806" y="8436986"/>
+            <a:off x="4728806" y="8720858"/>
             <a:ext cx="1475800" cy="687958"/>
           </a:xfrm>
           <a:custGeom>
@@ -19294,13 +19201,13 @@
       </p:sp>
       <p:sp>
         <p:nvSpPr>
-          <p:cNvPr id="299" name="Freeform 298"/>
+          <p:cNvPr id="568" name="Freeform 567"/>
           <p:cNvSpPr/>
           <p:nvPr/>
         </p:nvSpPr>
         <p:spPr>
           <a:xfrm flipV="1">
-            <a:off x="4728209" y="7483946"/>
+            <a:off x="4728209" y="7767818"/>
             <a:ext cx="771954" cy="490569"/>
           </a:xfrm>
           <a:custGeom>
@@ -19985,13 +19892,13 @@
       </p:sp>
       <p:sp>
         <p:nvSpPr>
-          <p:cNvPr id="300" name="Freeform 299"/>
+          <p:cNvPr id="569" name="Freeform 568"/>
           <p:cNvSpPr/>
           <p:nvPr/>
         </p:nvSpPr>
         <p:spPr>
           <a:xfrm flipV="1">
-            <a:off x="6723243" y="7477200"/>
+            <a:off x="6723243" y="7761072"/>
             <a:ext cx="1165941" cy="576318"/>
           </a:xfrm>
           <a:custGeom>
@@ -20698,13 +20605,13 @@
       </p:sp>
       <p:sp>
         <p:nvSpPr>
-          <p:cNvPr id="301" name="Freeform 300"/>
+          <p:cNvPr id="570" name="Freeform 569"/>
           <p:cNvSpPr/>
           <p:nvPr/>
         </p:nvSpPr>
         <p:spPr>
           <a:xfrm flipV="1">
-            <a:off x="8732041" y="7610755"/>
+            <a:off x="8732041" y="7894627"/>
             <a:ext cx="1402111" cy="299833"/>
           </a:xfrm>
           <a:custGeom>
@@ -21513,13 +21420,13 @@
       </p:sp>
       <p:sp>
         <p:nvSpPr>
-          <p:cNvPr id="302" name="Freeform 301"/>
+          <p:cNvPr id="571" name="Freeform 570"/>
           <p:cNvSpPr/>
           <p:nvPr/>
         </p:nvSpPr>
         <p:spPr>
           <a:xfrm>
-            <a:off x="2745049" y="7731147"/>
+            <a:off x="2745049" y="8015019"/>
             <a:ext cx="1861136" cy="519994"/>
           </a:xfrm>
           <a:custGeom>
@@ -21904,13 +21811,13 @@
       </p:sp>
       <p:sp>
         <p:nvSpPr>
-          <p:cNvPr id="303" name="Freeform 302"/>
+          <p:cNvPr id="572" name="Freeform 571"/>
           <p:cNvSpPr/>
           <p:nvPr/>
         </p:nvSpPr>
         <p:spPr>
           <a:xfrm>
-            <a:off x="759652" y="3217154"/>
+            <a:off x="759652" y="2884275"/>
             <a:ext cx="789749" cy="611808"/>
           </a:xfrm>
           <a:custGeom>
@@ -22529,13 +22436,13 @@
       </p:sp>
       <p:sp>
         <p:nvSpPr>
-          <p:cNvPr id="304" name="Freeform 303"/>
+          <p:cNvPr id="573" name="Freeform 572"/>
           <p:cNvSpPr/>
           <p:nvPr/>
         </p:nvSpPr>
         <p:spPr>
           <a:xfrm flipV="1">
-            <a:off x="772790" y="2423993"/>
+            <a:off x="772790" y="2091114"/>
             <a:ext cx="453729" cy="221381"/>
           </a:xfrm>
           <a:custGeom>
@@ -23242,13 +23149,13 @@
       </p:sp>
       <p:sp>
         <p:nvSpPr>
-          <p:cNvPr id="305" name="Freeform 304"/>
+          <p:cNvPr id="574" name="Freeform 573"/>
           <p:cNvSpPr/>
           <p:nvPr/>
         </p:nvSpPr>
         <p:spPr>
           <a:xfrm>
-            <a:off x="2750604" y="3399014"/>
+            <a:off x="2750604" y="3066135"/>
             <a:ext cx="1450657" cy="831698"/>
           </a:xfrm>
           <a:custGeom>
@@ -23867,13 +23774,13 @@
       </p:sp>
       <p:sp>
         <p:nvSpPr>
-          <p:cNvPr id="307" name="Freeform 306"/>
+          <p:cNvPr id="575" name="Freeform 574"/>
           <p:cNvSpPr/>
           <p:nvPr/>
         </p:nvSpPr>
         <p:spPr>
           <a:xfrm>
-            <a:off x="4770534" y="3346411"/>
+            <a:off x="4770534" y="3013532"/>
             <a:ext cx="1832060" cy="699834"/>
           </a:xfrm>
           <a:custGeom>
@@ -24660,13 +24567,13 @@
       </p:sp>
       <p:sp>
         <p:nvSpPr>
-          <p:cNvPr id="308" name="Freeform 307"/>
+          <p:cNvPr id="576" name="Freeform 575"/>
           <p:cNvSpPr/>
           <p:nvPr/>
         </p:nvSpPr>
         <p:spPr>
           <a:xfrm flipV="1">
-            <a:off x="4769936" y="2393371"/>
+            <a:off x="4769936" y="2060492"/>
             <a:ext cx="771954" cy="490569"/>
           </a:xfrm>
           <a:custGeom>
@@ -25351,13 +25258,13 @@
       </p:sp>
       <p:sp>
         <p:nvSpPr>
-          <p:cNvPr id="309" name="Freeform 308"/>
+          <p:cNvPr id="577" name="Freeform 576"/>
           <p:cNvSpPr/>
           <p:nvPr/>
         </p:nvSpPr>
         <p:spPr>
           <a:xfrm flipV="1">
-            <a:off x="2749918" y="2393524"/>
+            <a:off x="2749918" y="2060645"/>
             <a:ext cx="638506" cy="442762"/>
           </a:xfrm>
           <a:custGeom>
@@ -26064,13 +25971,13 @@
       </p:sp>
       <p:sp>
         <p:nvSpPr>
-          <p:cNvPr id="311" name="Freeform 310"/>
+          <p:cNvPr id="578" name="Freeform 577"/>
           <p:cNvSpPr/>
           <p:nvPr/>
         </p:nvSpPr>
         <p:spPr>
           <a:xfrm flipV="1">
-            <a:off x="6756893" y="2382254"/>
+            <a:off x="6756893" y="2049375"/>
             <a:ext cx="1165941" cy="576318"/>
           </a:xfrm>
           <a:custGeom>
@@ -26777,13 +26684,13 @@
       </p:sp>
       <p:sp>
         <p:nvSpPr>
-          <p:cNvPr id="312" name="Freeform 311"/>
+          <p:cNvPr id="579" name="Freeform 578"/>
           <p:cNvSpPr/>
           <p:nvPr/>
         </p:nvSpPr>
         <p:spPr>
           <a:xfrm>
-            <a:off x="6753542" y="3295872"/>
+            <a:off x="6753542" y="2962993"/>
             <a:ext cx="1838410" cy="193893"/>
           </a:xfrm>
           <a:custGeom>
@@ -27812,13 +27719,13 @@
       </p:sp>
       <p:sp>
         <p:nvSpPr>
-          <p:cNvPr id="313" name="Freeform 312"/>
+          <p:cNvPr id="580" name="Freeform 579"/>
           <p:cNvSpPr/>
           <p:nvPr/>
         </p:nvSpPr>
         <p:spPr>
           <a:xfrm flipV="1">
-            <a:off x="8725217" y="2638655"/>
+            <a:off x="8725217" y="2305776"/>
             <a:ext cx="1887168" cy="414499"/>
           </a:xfrm>
           <a:custGeom>
@@ -28635,13 +28542,13 @@
       </p:sp>
       <p:sp>
         <p:nvSpPr>
-          <p:cNvPr id="314" name="Freeform 313"/>
+          <p:cNvPr id="581" name="Freeform 580"/>
           <p:cNvSpPr/>
           <p:nvPr/>
         </p:nvSpPr>
         <p:spPr>
           <a:xfrm flipV="1">
-            <a:off x="8727488" y="2390302"/>
+            <a:off x="8727488" y="2057423"/>
             <a:ext cx="726962" cy="121966"/>
           </a:xfrm>
           <a:custGeom>
@@ -29478,13 +29385,13 @@
       </p:sp>
       <p:sp>
         <p:nvSpPr>
-          <p:cNvPr id="315" name="Freeform 314"/>
+          <p:cNvPr id="582" name="Freeform 581"/>
           <p:cNvSpPr/>
           <p:nvPr/>
         </p:nvSpPr>
         <p:spPr>
           <a:xfrm flipV="1">
-            <a:off x="6735916" y="2376052"/>
+            <a:off x="6735916" y="2043173"/>
             <a:ext cx="295711" cy="45719"/>
           </a:xfrm>
           <a:custGeom>
@@ -30321,14 +30228,14 @@
       </p:sp>
       <p:cxnSp>
         <p:nvCxnSpPr>
-          <p:cNvPr id="316" name="Straight Arrow Connector 315"/>
+          <p:cNvPr id="583" name="Straight Arrow Connector 582"/>
           <p:cNvCxnSpPr/>
           <p:nvPr/>
         </p:nvCxnSpPr>
         <p:spPr>
           <a:xfrm>
-            <a:off x="3503757" y="5722662"/>
-            <a:ext cx="0" cy="180000"/>
+            <a:off x="4125942" y="5607849"/>
+            <a:ext cx="0" cy="360000"/>
           </a:xfrm>
           <a:prstGeom prst="straightConnector1">
             <a:avLst/>
@@ -30339,7 +30246,7 @@
                 <a:lumMod val="50000"/>
               </a:schemeClr>
             </a:solidFill>
-            <a:tailEnd type="arrow" w="sm" len="sm"/>
+            <a:tailEnd type="arrow" w="lg" len="lg"/>
           </a:ln>
         </p:spPr>
         <p:style>
@@ -30359,14 +30266,14 @@
       </p:cxnSp>
       <p:cxnSp>
         <p:nvCxnSpPr>
-          <p:cNvPr id="317" name="Straight Arrow Connector 316"/>
+          <p:cNvPr id="584" name="Straight Arrow Connector 583"/>
           <p:cNvCxnSpPr/>
           <p:nvPr/>
         </p:nvCxnSpPr>
         <p:spPr>
           <a:xfrm>
-            <a:off x="3447515" y="10382924"/>
-            <a:ext cx="0" cy="180000"/>
+            <a:off x="4101148" y="10777852"/>
+            <a:ext cx="0" cy="360000"/>
           </a:xfrm>
           <a:prstGeom prst="straightConnector1">
             <a:avLst/>
@@ -30377,7 +30284,7 @@
                 <a:lumMod val="50000"/>
               </a:schemeClr>
             </a:solidFill>
-            <a:tailEnd type="arrow" w="sm" len="sm"/>
+            <a:tailEnd type="arrow" w="lg" len="lg"/>
           </a:ln>
         </p:spPr>
         <p:style>
@@ -30397,14 +30304,14 @@
       </p:cxnSp>
       <p:cxnSp>
         <p:nvCxnSpPr>
-          <p:cNvPr id="318" name="Straight Arrow Connector 317"/>
+          <p:cNvPr id="585" name="Straight Arrow Connector 584"/>
           <p:cNvCxnSpPr/>
           <p:nvPr/>
         </p:nvCxnSpPr>
         <p:spPr>
           <a:xfrm>
-            <a:off x="3816499" y="6048488"/>
-            <a:ext cx="0" cy="180000"/>
+            <a:off x="4553814" y="5999744"/>
+            <a:ext cx="0" cy="360000"/>
           </a:xfrm>
           <a:prstGeom prst="straightConnector1">
             <a:avLst/>
@@ -30413,7 +30320,7 @@
             <a:solidFill>
               <a:schemeClr val="tx1"/>
             </a:solidFill>
-            <a:tailEnd type="arrow" w="sm" len="sm"/>
+            <a:tailEnd type="arrow" w="lg" len="lg"/>
           </a:ln>
         </p:spPr>
         <p:style>
@@ -30433,14 +30340,14 @@
       </p:cxnSp>
       <p:cxnSp>
         <p:nvCxnSpPr>
-          <p:cNvPr id="319" name="Straight Arrow Connector 318"/>
+          <p:cNvPr id="586" name="Straight Arrow Connector 585"/>
           <p:cNvCxnSpPr/>
           <p:nvPr/>
         </p:nvCxnSpPr>
         <p:spPr>
           <a:xfrm>
-            <a:off x="4120297" y="10189736"/>
-            <a:ext cx="0" cy="180000"/>
+            <a:off x="4947361" y="10473608"/>
+            <a:ext cx="0" cy="360000"/>
           </a:xfrm>
           <a:prstGeom prst="straightConnector1">
             <a:avLst/>
@@ -30449,7 +30356,7 @@
             <a:solidFill>
               <a:schemeClr val="tx1"/>
             </a:solidFill>
-            <a:tailEnd type="arrow" w="sm" len="sm"/>
+            <a:tailEnd type="arrow" w="lg" len="lg"/>
           </a:ln>
         </p:spPr>
         <p:style>
@@ -30469,14 +30376,14 @@
       </p:cxnSp>
       <p:cxnSp>
         <p:nvCxnSpPr>
-          <p:cNvPr id="320" name="Straight Arrow Connector 319"/>
+          <p:cNvPr id="587" name="Straight Arrow Connector 586"/>
           <p:cNvCxnSpPr/>
           <p:nvPr/>
         </p:nvCxnSpPr>
         <p:spPr>
           <a:xfrm>
-            <a:off x="2741712" y="6157994"/>
-            <a:ext cx="0" cy="180000"/>
+            <a:off x="3136528" y="6220568"/>
+            <a:ext cx="0" cy="360000"/>
           </a:xfrm>
           <a:prstGeom prst="straightConnector1">
             <a:avLst/>
@@ -30485,7 +30392,7 @@
             <a:solidFill>
               <a:srgbClr val="CC00CC"/>
             </a:solidFill>
-            <a:tailEnd type="arrow" w="sm" len="sm"/>
+            <a:tailEnd type="arrow" w="lg" len="lg"/>
           </a:ln>
         </p:spPr>
         <p:style>
@@ -30505,14 +30412,14 @@
       </p:cxnSp>
       <p:cxnSp>
         <p:nvCxnSpPr>
-          <p:cNvPr id="321" name="Straight Arrow Connector 320"/>
+          <p:cNvPr id="588" name="Straight Arrow Connector 587"/>
           <p:cNvCxnSpPr/>
           <p:nvPr/>
         </p:nvCxnSpPr>
         <p:spPr>
           <a:xfrm>
-            <a:off x="2911927" y="11289866"/>
-            <a:ext cx="0" cy="180000"/>
+            <a:off x="3376996" y="11933738"/>
+            <a:ext cx="0" cy="360000"/>
           </a:xfrm>
           <a:prstGeom prst="straightConnector1">
             <a:avLst/>
@@ -30521,7 +30428,7 @@
             <a:solidFill>
               <a:srgbClr val="CC00CC"/>
             </a:solidFill>
-            <a:tailEnd type="arrow" w="sm" len="sm"/>
+            <a:tailEnd type="arrow" w="lg" len="lg"/>
           </a:ln>
         </p:spPr>
         <p:style>
@@ -30541,13 +30448,13 @@
       </p:cxnSp>
       <p:sp>
         <p:nvSpPr>
-          <p:cNvPr id="117" name="TextBox 116"/>
+          <p:cNvPr id="589" name="TextBox 588"/>
           <p:cNvSpPr txBox="1"/>
           <p:nvPr/>
         </p:nvSpPr>
         <p:spPr>
           <a:xfrm>
-            <a:off x="9137185" y="1332406"/>
+            <a:off x="9137185" y="1143220"/>
             <a:ext cx="794645" cy="430887"/>
           </a:xfrm>
           <a:prstGeom prst="rect">
@@ -30571,13 +30478,13 @@
       </p:sp>
       <p:cxnSp>
         <p:nvCxnSpPr>
-          <p:cNvPr id="118" name="Straight Connector 117"/>
+          <p:cNvPr id="590" name="Straight Connector 589"/>
           <p:cNvCxnSpPr/>
           <p:nvPr/>
         </p:nvCxnSpPr>
         <p:spPr>
           <a:xfrm>
-            <a:off x="8961833" y="1263686"/>
+            <a:off x="8961833" y="1074500"/>
             <a:ext cx="261296" cy="239742"/>
           </a:xfrm>
           <a:prstGeom prst="line">
@@ -30606,13 +30513,13 @@
       </p:cxnSp>
       <p:sp>
         <p:nvSpPr>
-          <p:cNvPr id="119" name="TextBox 118"/>
+          <p:cNvPr id="591" name="TextBox 590"/>
           <p:cNvSpPr txBox="1"/>
           <p:nvPr/>
         </p:nvSpPr>
         <p:spPr>
           <a:xfrm>
-            <a:off x="9119722" y="142133"/>
+            <a:off x="9119722" y="-47053"/>
             <a:ext cx="794645" cy="430887"/>
           </a:xfrm>
           <a:prstGeom prst="rect">
@@ -30636,13 +30543,13 @@
       </p:sp>
       <p:cxnSp>
         <p:nvCxnSpPr>
-          <p:cNvPr id="120" name="Straight Connector 119"/>
+          <p:cNvPr id="592" name="Straight Connector 591"/>
           <p:cNvCxnSpPr/>
           <p:nvPr/>
         </p:nvCxnSpPr>
         <p:spPr>
           <a:xfrm flipV="1">
-            <a:off x="8999079" y="389991"/>
+            <a:off x="8999079" y="200805"/>
             <a:ext cx="186804" cy="104952"/>
           </a:xfrm>
           <a:prstGeom prst="line">
